--- a/ppt/PythonMath09-Stats.pptx
+++ b/ppt/PythonMath09-Stats.pptx
@@ -5,18 +5,22 @@
     <p:sldMasterId id="2147483653" r:id="rId1"/>
   </p:sldMasterIdLst>
   <p:notesMasterIdLst>
-    <p:notesMasterId r:id="rId8"/>
+    <p:notesMasterId r:id="rId12"/>
   </p:notesMasterIdLst>
   <p:handoutMasterIdLst>
-    <p:handoutMasterId r:id="rId9"/>
+    <p:handoutMasterId r:id="rId13"/>
   </p:handoutMasterIdLst>
   <p:sldIdLst>
     <p:sldId id="264" r:id="rId2"/>
     <p:sldId id="266" r:id="rId3"/>
     <p:sldId id="267" r:id="rId4"/>
-    <p:sldId id="268" r:id="rId5"/>
-    <p:sldId id="269" r:id="rId6"/>
-    <p:sldId id="270" r:id="rId7"/>
+    <p:sldId id="271" r:id="rId5"/>
+    <p:sldId id="272" r:id="rId6"/>
+    <p:sldId id="268" r:id="rId7"/>
+    <p:sldId id="270" r:id="rId8"/>
+    <p:sldId id="273" r:id="rId9"/>
+    <p:sldId id="269" r:id="rId10"/>
+    <p:sldId id="274" r:id="rId11"/>
   </p:sldIdLst>
   <p:sldSz cx="9144000" cy="6858000" type="screen4x3"/>
   <p:notesSz cx="6648450" cy="9782175"/>
@@ -3787,6 +3791,181 @@
 </p:sld>
 </file>
 
+<file path=ppt/slides/slide10.xml><?xml version="1.0" encoding="utf-8"?>
+<p:sld xmlns:a="http://schemas.openxmlformats.org/drawingml/2006/main" xmlns:r="http://schemas.openxmlformats.org/officeDocument/2006/relationships" xmlns:p="http://schemas.openxmlformats.org/presentationml/2006/main">
+  <p:cSld>
+    <p:spTree>
+      <p:nvGrpSpPr>
+        <p:cNvPr id="1" name=""/>
+        <p:cNvGrpSpPr/>
+        <p:nvPr/>
+      </p:nvGrpSpPr>
+      <p:grpSpPr>
+        <a:xfrm>
+          <a:off x="0" y="0"/>
+          <a:ext cx="0" cy="0"/>
+          <a:chOff x="0" y="0"/>
+          <a:chExt cx="0" cy="0"/>
+        </a:xfrm>
+      </p:grpSpPr>
+      <p:sp>
+        <p:nvSpPr>
+          <p:cNvPr id="2" name="Titre 1"/>
+          <p:cNvSpPr>
+            <a:spLocks noGrp="1"/>
+          </p:cNvSpPr>
+          <p:nvPr>
+            <p:ph type="title"/>
+          </p:nvPr>
+        </p:nvSpPr>
+        <p:spPr/>
+        <p:txBody>
+          <a:bodyPr/>
+          <a:lstStyle/>
+          <a:p>
+            <a:r>
+              <a:rPr lang="fr-FR" dirty="0" smtClean="0"/>
+              <a:t>Cas non gaussiens</a:t>
+            </a:r>
+            <a:endParaRPr lang="fr-FR" dirty="0"/>
+          </a:p>
+        </p:txBody>
+      </p:sp>
+      <p:sp>
+        <p:nvSpPr>
+          <p:cNvPr id="3" name="Espace réservé du contenu 2"/>
+          <p:cNvSpPr>
+            <a:spLocks noGrp="1"/>
+          </p:cNvSpPr>
+          <p:nvPr>
+            <p:ph idx="1"/>
+          </p:nvPr>
+        </p:nvSpPr>
+        <p:spPr/>
+        <p:txBody>
+          <a:bodyPr/>
+          <a:lstStyle/>
+          <a:p>
+            <a:r>
+              <a:rPr lang="fr-FR" dirty="0" err="1" smtClean="0"/>
+              <a:t>Median</a:t>
+            </a:r>
+            <a:endParaRPr lang="fr-FR" dirty="0" smtClean="0"/>
+          </a:p>
+          <a:p>
+            <a:pPr lvl="1"/>
+            <a:r>
+              <a:rPr lang="fr-FR" dirty="0" smtClean="0"/>
+              <a:t>Médiane</a:t>
+            </a:r>
+          </a:p>
+          <a:p>
+            <a:pPr lvl="1"/>
+            <a:r>
+              <a:rPr lang="fr-FR" dirty="0" smtClean="0"/>
+              <a:t>50% des valeurs au dessous et 50% au dessous</a:t>
+            </a:r>
+          </a:p>
+          <a:p>
+            <a:r>
+              <a:rPr lang="fr-FR" dirty="0" err="1" smtClean="0"/>
+              <a:t>Quantil</a:t>
+            </a:r>
+            <a:endParaRPr lang="fr-FR" dirty="0" smtClean="0"/>
+          </a:p>
+          <a:p>
+            <a:pPr lvl="1"/>
+            <a:r>
+              <a:rPr lang="fr-FR" dirty="0" smtClean="0"/>
+              <a:t>Le 2</a:t>
+            </a:r>
+            <a:r>
+              <a:rPr lang="fr-FR" baseline="30000" dirty="0" smtClean="0"/>
+              <a:t>ème</a:t>
+            </a:r>
+            <a:r>
+              <a:rPr lang="fr-FR" dirty="0" smtClean="0"/>
+              <a:t> paramètre représente le quantile</a:t>
+            </a:r>
+          </a:p>
+          <a:p>
+            <a:pPr lvl="1"/>
+            <a:r>
+              <a:rPr lang="fr-FR" dirty="0" smtClean="0"/>
+              <a:t>0.5 = médiane</a:t>
+            </a:r>
+          </a:p>
+          <a:p>
+            <a:pPr lvl="1"/>
+            <a:r>
+              <a:rPr lang="fr-FR" dirty="0" smtClean="0"/>
+              <a:t>0.25 = quartile</a:t>
+            </a:r>
+          </a:p>
+          <a:p>
+            <a:pPr lvl="1"/>
+            <a:r>
+              <a:rPr lang="fr-FR" dirty="0" smtClean="0"/>
+              <a:t>0.1 = décile</a:t>
+            </a:r>
+            <a:endParaRPr lang="fr-FR" dirty="0"/>
+          </a:p>
+        </p:txBody>
+      </p:sp>
+      <p:pic>
+        <p:nvPicPr>
+          <p:cNvPr id="2050" name="Picture 2" descr="https://media.geeksforgeeks.org/wp-content/uploads/quantile.jpg"/>
+          <p:cNvPicPr>
+            <a:picLocks noChangeAspect="1" noChangeArrowheads="1"/>
+          </p:cNvPicPr>
+          <p:nvPr/>
+        </p:nvPicPr>
+        <p:blipFill>
+          <a:blip r:embed="rId2">
+            <a:extLst>
+              <a:ext uri="{28A0092B-C50C-407E-A947-70E740481C1C}">
+                <a14:useLocalDpi xmlns:a14="http://schemas.microsoft.com/office/drawing/2010/main" val="0"/>
+              </a:ext>
+            </a:extLst>
+          </a:blip>
+          <a:srcRect/>
+          <a:stretch>
+            <a:fillRect/>
+          </a:stretch>
+        </p:blipFill>
+        <p:spPr bwMode="auto">
+          <a:xfrm>
+            <a:off x="5321042" y="4437112"/>
+            <a:ext cx="3600400" cy="1921878"/>
+          </a:xfrm>
+          <a:prstGeom prst="rect">
+            <a:avLst/>
+          </a:prstGeom>
+          <a:noFill/>
+          <a:extLst>
+            <a:ext uri="{909E8E84-426E-40DD-AFC4-6F175D3DCCD1}">
+              <a14:hiddenFill xmlns:a14="http://schemas.microsoft.com/office/drawing/2010/main">
+                <a:solidFill>
+                  <a:srgbClr val="FFFFFF"/>
+                </a:solidFill>
+              </a14:hiddenFill>
+            </a:ext>
+          </a:extLst>
+        </p:spPr>
+      </p:pic>
+    </p:spTree>
+    <p:extLst>
+      <p:ext uri="{BB962C8B-B14F-4D97-AF65-F5344CB8AC3E}">
+        <p14:creationId xmlns:p14="http://schemas.microsoft.com/office/powerpoint/2010/main" val="3934027036"/>
+      </p:ext>
+    </p:extLst>
+  </p:cSld>
+  <p:clrMapOvr>
+    <a:masterClrMapping/>
+  </p:clrMapOvr>
+</p:sld>
+</file>
+
 <file path=ppt/slides/slide2.xml><?xml version="1.0" encoding="utf-8"?>
 <p:sld xmlns:a="http://schemas.openxmlformats.org/drawingml/2006/main" xmlns:r="http://schemas.openxmlformats.org/officeDocument/2006/relationships" xmlns:p="http://schemas.openxmlformats.org/presentationml/2006/main">
   <p:cSld>
@@ -4112,55 +4291,40 @@
           <a:p>
             <a:r>
               <a:rPr lang="fr-FR" dirty="0" smtClean="0"/>
-              <a:t>Loi normale</a:t>
+              <a:t>Loi normal</a:t>
             </a:r>
             <a:endParaRPr lang="fr-FR" dirty="0"/>
           </a:p>
         </p:txBody>
       </p:sp>
-      <p:sp>
-        <p:nvSpPr>
-          <p:cNvPr id="3" name="Espace réservé du contenu 2"/>
-          <p:cNvSpPr>
-            <a:spLocks noGrp="1"/>
-          </p:cNvSpPr>
-          <p:nvPr>
-            <p:ph idx="1"/>
-          </p:nvPr>
-        </p:nvSpPr>
-        <p:spPr/>
-        <p:txBody>
-          <a:bodyPr/>
-          <a:lstStyle/>
-          <a:p>
-            <a:r>
-              <a:rPr lang="fr-FR" dirty="0" smtClean="0"/>
-              <a:t>Avec le calcul de la distribution des données il est possible de filtrer les données trop éloignée de la loi normale</a:t>
-            </a:r>
-          </a:p>
-          <a:p>
-            <a:pPr lvl="1"/>
-            <a:r>
-              <a:rPr lang="fr-FR" dirty="0" smtClean="0"/>
-              <a:t>Possibilité de filtrer les données &gt; 3 * Sigma</a:t>
-            </a:r>
-          </a:p>
-          <a:p>
-            <a:r>
-              <a:rPr lang="fr-FR" dirty="0" smtClean="0"/>
-              <a:t>Possibilité de calculer la médiane, quartile, décile, centile</a:t>
-            </a:r>
-          </a:p>
-          <a:p>
-            <a:pPr lvl="1"/>
-            <a:endParaRPr lang="fr-FR" dirty="0" smtClean="0"/>
-          </a:p>
-        </p:txBody>
-      </p:sp>
+      <p:pic>
+        <p:nvPicPr>
+          <p:cNvPr id="4" name="Image 3"/>
+          <p:cNvPicPr>
+            <a:picLocks noChangeAspect="1"/>
+          </p:cNvPicPr>
+          <p:nvPr/>
+        </p:nvPicPr>
+        <p:blipFill>
+          <a:blip r:embed="rId2"/>
+          <a:stretch>
+            <a:fillRect/>
+          </a:stretch>
+        </p:blipFill>
+        <p:spPr>
+          <a:xfrm>
+            <a:off x="33337" y="1809750"/>
+            <a:ext cx="9077325" cy="3238500"/>
+          </a:xfrm>
+          <a:prstGeom prst="rect">
+            <a:avLst/>
+          </a:prstGeom>
+        </p:spPr>
+      </p:pic>
     </p:spTree>
     <p:extLst>
       <p:ext uri="{BB962C8B-B14F-4D97-AF65-F5344CB8AC3E}">
-        <p14:creationId xmlns:p14="http://schemas.microsoft.com/office/powerpoint/2010/main" val="2714182193"/>
+        <p14:creationId xmlns:p14="http://schemas.microsoft.com/office/powerpoint/2010/main" val="1557055541"/>
       </p:ext>
     </p:extLst>
   </p:cSld>
@@ -4204,7 +4368,824 @@
           <a:p>
             <a:r>
               <a:rPr lang="fr-FR" dirty="0" smtClean="0"/>
-              <a:t>Cas non gaussien</a:t>
+              <a:t>Loi normal</a:t>
+            </a:r>
+            <a:endParaRPr lang="fr-FR" dirty="0"/>
+          </a:p>
+        </p:txBody>
+      </p:sp>
+      <p:sp>
+        <p:nvSpPr>
+          <p:cNvPr id="5" name="Rectangle 1"/>
+          <p:cNvSpPr>
+            <a:spLocks noChangeArrowheads="1"/>
+          </p:cNvSpPr>
+          <p:nvPr/>
+        </p:nvSpPr>
+        <p:spPr bwMode="auto">
+          <a:xfrm>
+            <a:off x="49106" y="2636912"/>
+            <a:ext cx="9105378" cy="1754326"/>
+          </a:xfrm>
+          <a:prstGeom prst="rect">
+            <a:avLst/>
+          </a:prstGeom>
+          <a:solidFill>
+            <a:srgbClr val="FFFFFF"/>
+          </a:solidFill>
+          <a:ln>
+            <a:noFill/>
+          </a:ln>
+          <a:effectLst/>
+          <a:extLst>
+            <a:ext uri="{91240B29-F687-4F45-9708-019B960494DF}">
+              <a14:hiddenLine xmlns:a14="http://schemas.microsoft.com/office/drawing/2010/main" w="9525">
+                <a:solidFill>
+                  <a:schemeClr val="tx1"/>
+                </a:solidFill>
+                <a:miter lim="800000"/>
+                <a:headEnd/>
+                <a:tailEnd/>
+              </a14:hiddenLine>
+            </a:ext>
+            <a:ext uri="{AF507438-7753-43E0-B8FC-AC1667EBCBE1}">
+              <a14:hiddenEffects xmlns:a14="http://schemas.microsoft.com/office/drawing/2010/main">
+                <a:effectLst>
+                  <a:outerShdw dist="35921" dir="2700000" algn="ctr" rotWithShape="0">
+                    <a:schemeClr val="bg2"/>
+                  </a:outerShdw>
+                </a:effectLst>
+              </a14:hiddenEffects>
+            </a:ext>
+          </a:extLst>
+        </p:spPr>
+        <p:txBody>
+          <a:bodyPr vert="horz" wrap="none" lIns="91440" tIns="45720" rIns="91440" bIns="45720" numCol="1" anchor="ctr" anchorCtr="0" compatLnSpc="1">
+            <a:prstTxWarp prst="textNoShape">
+              <a:avLst/>
+            </a:prstTxWarp>
+            <a:spAutoFit/>
+          </a:bodyPr>
+          <a:lstStyle/>
+          <a:p>
+            <a:pPr marL="0" marR="0" lvl="0" indent="0" algn="l" defTabSz="914400" rtl="0" eaLnBrk="0" fontAlgn="base" latinLnBrk="0" hangingPunct="0">
+              <a:lnSpc>
+                <a:spcPct val="100000"/>
+              </a:lnSpc>
+              <a:spcBef>
+                <a:spcPct val="0"/>
+              </a:spcBef>
+              <a:spcAft>
+                <a:spcPct val="0"/>
+              </a:spcAft>
+              <a:buClrTx/>
+              <a:buSzTx/>
+              <a:buFontTx/>
+              <a:buNone/>
+              <a:tabLst/>
+            </a:pPr>
+            <a:r>
+              <a:rPr kumimoji="0" lang="fr-FR" altLang="fr-FR" sz="1200" b="0" i="0" u="none" strike="noStrike" cap="none" normalizeH="0" baseline="0" dirty="0" smtClean="0">
+                <a:ln>
+                  <a:noFill/>
+                </a:ln>
+                <a:solidFill>
+                  <a:srgbClr val="000000"/>
+                </a:solidFill>
+                <a:effectLst/>
+                <a:latin typeface="Consolas" panose="020B0609020204030204" pitchFamily="49" charset="0"/>
+              </a:rPr>
+              <a:t>x = </a:t>
+            </a:r>
+            <a:r>
+              <a:rPr kumimoji="0" lang="fr-FR" altLang="fr-FR" sz="1200" b="0" i="0" u="none" strike="noStrike" cap="none" normalizeH="0" baseline="0" dirty="0" err="1" smtClean="0">
+                <a:ln>
+                  <a:noFill/>
+                </a:ln>
+                <a:solidFill>
+                  <a:srgbClr val="000000"/>
+                </a:solidFill>
+                <a:effectLst/>
+                <a:latin typeface="Consolas" panose="020B0609020204030204" pitchFamily="49" charset="0"/>
+              </a:rPr>
+              <a:t>np.arange</a:t>
+            </a:r>
+            <a:r>
+              <a:rPr kumimoji="0" lang="fr-FR" altLang="fr-FR" sz="1200" b="0" i="0" u="none" strike="noStrike" cap="none" normalizeH="0" baseline="0" dirty="0" smtClean="0">
+                <a:ln>
+                  <a:noFill/>
+                </a:ln>
+                <a:solidFill>
+                  <a:srgbClr val="000000"/>
+                </a:solidFill>
+                <a:effectLst/>
+                <a:latin typeface="Consolas" panose="020B0609020204030204" pitchFamily="49" charset="0"/>
+              </a:rPr>
+              <a:t>(-</a:t>
+            </a:r>
+            <a:r>
+              <a:rPr kumimoji="0" lang="fr-FR" altLang="fr-FR" sz="1200" b="0" i="0" u="none" strike="noStrike" cap="none" normalizeH="0" baseline="0" dirty="0" smtClean="0">
+                <a:ln>
+                  <a:noFill/>
+                </a:ln>
+                <a:solidFill>
+                  <a:srgbClr val="0000FF"/>
+                </a:solidFill>
+                <a:effectLst/>
+                <a:latin typeface="Consolas" panose="020B0609020204030204" pitchFamily="49" charset="0"/>
+              </a:rPr>
+              <a:t>100</a:t>
+            </a:r>
+            <a:r>
+              <a:rPr kumimoji="0" lang="fr-FR" altLang="fr-FR" sz="1200" b="0" i="0" u="none" strike="noStrike" cap="none" normalizeH="0" baseline="0" dirty="0" smtClean="0">
+                <a:ln>
+                  <a:noFill/>
+                </a:ln>
+                <a:solidFill>
+                  <a:srgbClr val="000000"/>
+                </a:solidFill>
+                <a:effectLst/>
+                <a:latin typeface="Consolas" panose="020B0609020204030204" pitchFamily="49" charset="0"/>
+              </a:rPr>
+              <a:t>, </a:t>
+            </a:r>
+            <a:r>
+              <a:rPr kumimoji="0" lang="fr-FR" altLang="fr-FR" sz="1200" b="0" i="0" u="none" strike="noStrike" cap="none" normalizeH="0" baseline="0" dirty="0" smtClean="0">
+                <a:ln>
+                  <a:noFill/>
+                </a:ln>
+                <a:solidFill>
+                  <a:srgbClr val="0000FF"/>
+                </a:solidFill>
+                <a:effectLst/>
+                <a:latin typeface="Consolas" panose="020B0609020204030204" pitchFamily="49" charset="0"/>
+              </a:rPr>
+              <a:t>100</a:t>
+            </a:r>
+            <a:r>
+              <a:rPr kumimoji="0" lang="fr-FR" altLang="fr-FR" sz="1200" b="0" i="0" u="none" strike="noStrike" cap="none" normalizeH="0" baseline="0" dirty="0" smtClean="0">
+                <a:ln>
+                  <a:noFill/>
+                </a:ln>
+                <a:solidFill>
+                  <a:srgbClr val="000000"/>
+                </a:solidFill>
+                <a:effectLst/>
+                <a:latin typeface="Consolas" panose="020B0609020204030204" pitchFamily="49" charset="0"/>
+              </a:rPr>
+              <a:t>)</a:t>
+            </a:r>
+            <a:br>
+              <a:rPr kumimoji="0" lang="fr-FR" altLang="fr-FR" sz="1200" b="0" i="0" u="none" strike="noStrike" cap="none" normalizeH="0" baseline="0" dirty="0" smtClean="0">
+                <a:ln>
+                  <a:noFill/>
+                </a:ln>
+                <a:solidFill>
+                  <a:srgbClr val="000000"/>
+                </a:solidFill>
+                <a:effectLst/>
+                <a:latin typeface="Consolas" panose="020B0609020204030204" pitchFamily="49" charset="0"/>
+              </a:rPr>
+            </a:br>
+            <a:r>
+              <a:rPr kumimoji="0" lang="fr-FR" altLang="fr-FR" sz="1200" b="0" i="0" u="none" strike="noStrike" cap="none" normalizeH="0" baseline="0" dirty="0" smtClean="0">
+                <a:ln>
+                  <a:noFill/>
+                </a:ln>
+                <a:solidFill>
+                  <a:srgbClr val="000000"/>
+                </a:solidFill>
+                <a:effectLst/>
+                <a:latin typeface="Consolas" panose="020B0609020204030204" pitchFamily="49" charset="0"/>
+              </a:rPr>
+              <a:t>mu = </a:t>
+            </a:r>
+            <a:r>
+              <a:rPr kumimoji="0" lang="fr-FR" altLang="fr-FR" sz="1200" b="0" i="0" u="none" strike="noStrike" cap="none" normalizeH="0" baseline="0" dirty="0" smtClean="0">
+                <a:ln>
+                  <a:noFill/>
+                </a:ln>
+                <a:solidFill>
+                  <a:srgbClr val="0000FF"/>
+                </a:solidFill>
+                <a:effectLst/>
+                <a:latin typeface="Consolas" panose="020B0609020204030204" pitchFamily="49" charset="0"/>
+              </a:rPr>
+              <a:t>0</a:t>
+            </a:r>
+            <a:br>
+              <a:rPr kumimoji="0" lang="fr-FR" altLang="fr-FR" sz="1200" b="0" i="0" u="none" strike="noStrike" cap="none" normalizeH="0" baseline="0" dirty="0" smtClean="0">
+                <a:ln>
+                  <a:noFill/>
+                </a:ln>
+                <a:solidFill>
+                  <a:srgbClr val="0000FF"/>
+                </a:solidFill>
+                <a:effectLst/>
+                <a:latin typeface="Consolas" panose="020B0609020204030204" pitchFamily="49" charset="0"/>
+              </a:rPr>
+            </a:br>
+            <a:r>
+              <a:rPr kumimoji="0" lang="fr-FR" altLang="fr-FR" sz="1200" b="0" i="0" u="none" strike="noStrike" cap="none" normalizeH="0" baseline="0" dirty="0" smtClean="0">
+                <a:ln>
+                  <a:noFill/>
+                </a:ln>
+                <a:solidFill>
+                  <a:srgbClr val="000000"/>
+                </a:solidFill>
+                <a:effectLst/>
+                <a:latin typeface="Consolas" panose="020B0609020204030204" pitchFamily="49" charset="0"/>
+              </a:rPr>
+              <a:t>sigma = </a:t>
+            </a:r>
+            <a:r>
+              <a:rPr kumimoji="0" lang="fr-FR" altLang="fr-FR" sz="1200" b="0" i="0" u="none" strike="noStrike" cap="none" normalizeH="0" baseline="0" dirty="0" smtClean="0">
+                <a:ln>
+                  <a:noFill/>
+                </a:ln>
+                <a:solidFill>
+                  <a:srgbClr val="0000FF"/>
+                </a:solidFill>
+                <a:effectLst/>
+                <a:latin typeface="Consolas" panose="020B0609020204030204" pitchFamily="49" charset="0"/>
+              </a:rPr>
+              <a:t>20</a:t>
+            </a:r>
+            <a:br>
+              <a:rPr kumimoji="0" lang="fr-FR" altLang="fr-FR" sz="1200" b="0" i="0" u="none" strike="noStrike" cap="none" normalizeH="0" baseline="0" dirty="0" smtClean="0">
+                <a:ln>
+                  <a:noFill/>
+                </a:ln>
+                <a:solidFill>
+                  <a:srgbClr val="0000FF"/>
+                </a:solidFill>
+                <a:effectLst/>
+                <a:latin typeface="Consolas" panose="020B0609020204030204" pitchFamily="49" charset="0"/>
+              </a:rPr>
+            </a:br>
+            <a:r>
+              <a:rPr kumimoji="0" lang="fr-FR" altLang="fr-FR" sz="1200" b="0" i="0" u="none" strike="noStrike" cap="none" normalizeH="0" baseline="0" dirty="0" smtClean="0">
+                <a:ln>
+                  <a:noFill/>
+                </a:ln>
+                <a:solidFill>
+                  <a:srgbClr val="0000FF"/>
+                </a:solidFill>
+                <a:effectLst/>
+                <a:latin typeface="Consolas" panose="020B0609020204030204" pitchFamily="49" charset="0"/>
+              </a:rPr>
+              <a:t/>
+            </a:r>
+            <a:br>
+              <a:rPr kumimoji="0" lang="fr-FR" altLang="fr-FR" sz="1200" b="0" i="0" u="none" strike="noStrike" cap="none" normalizeH="0" baseline="0" dirty="0" smtClean="0">
+                <a:ln>
+                  <a:noFill/>
+                </a:ln>
+                <a:solidFill>
+                  <a:srgbClr val="0000FF"/>
+                </a:solidFill>
+                <a:effectLst/>
+                <a:latin typeface="Consolas" panose="020B0609020204030204" pitchFamily="49" charset="0"/>
+              </a:rPr>
+            </a:br>
+            <a:r>
+              <a:rPr kumimoji="0" lang="fr-FR" altLang="fr-FR" sz="1200" b="0" i="0" u="none" strike="noStrike" cap="none" normalizeH="0" baseline="0" dirty="0" smtClean="0">
+                <a:ln>
+                  <a:noFill/>
+                </a:ln>
+                <a:solidFill>
+                  <a:srgbClr val="000000"/>
+                </a:solidFill>
+                <a:effectLst/>
+                <a:latin typeface="Consolas" panose="020B0609020204030204" pitchFamily="49" charset="0"/>
+              </a:rPr>
+              <a:t>f = </a:t>
+            </a:r>
+            <a:r>
+              <a:rPr kumimoji="0" lang="fr-FR" altLang="fr-FR" sz="1200" b="1" i="0" u="none" strike="noStrike" cap="none" normalizeH="0" baseline="0" dirty="0" smtClean="0">
+                <a:ln>
+                  <a:noFill/>
+                </a:ln>
+                <a:solidFill>
+                  <a:srgbClr val="000080"/>
+                </a:solidFill>
+                <a:effectLst/>
+                <a:latin typeface="Consolas" panose="020B0609020204030204" pitchFamily="49" charset="0"/>
+              </a:rPr>
+              <a:t>lambda </a:t>
+            </a:r>
+            <a:r>
+              <a:rPr kumimoji="0" lang="fr-FR" altLang="fr-FR" sz="1200" b="0" i="0" u="none" strike="noStrike" cap="none" normalizeH="0" baseline="0" dirty="0" smtClean="0">
+                <a:ln>
+                  <a:noFill/>
+                </a:ln>
+                <a:solidFill>
+                  <a:srgbClr val="000000"/>
+                </a:solidFill>
+                <a:effectLst/>
+                <a:latin typeface="Consolas" panose="020B0609020204030204" pitchFamily="49" charset="0"/>
+              </a:rPr>
+              <a:t>x : </a:t>
+            </a:r>
+            <a:r>
+              <a:rPr kumimoji="0" lang="fr-FR" altLang="fr-FR" sz="1200" b="0" i="0" u="none" strike="noStrike" cap="none" normalizeH="0" baseline="0" dirty="0" smtClean="0">
+                <a:ln>
+                  <a:noFill/>
+                </a:ln>
+                <a:solidFill>
+                  <a:srgbClr val="0000FF"/>
+                </a:solidFill>
+                <a:effectLst/>
+                <a:latin typeface="Consolas" panose="020B0609020204030204" pitchFamily="49" charset="0"/>
+              </a:rPr>
+              <a:t>1</a:t>
+            </a:r>
+            <a:r>
+              <a:rPr kumimoji="0" lang="fr-FR" altLang="fr-FR" sz="1200" b="0" i="0" u="none" strike="noStrike" cap="none" normalizeH="0" baseline="0" dirty="0" smtClean="0">
+                <a:ln>
+                  <a:noFill/>
+                </a:ln>
+                <a:solidFill>
+                  <a:srgbClr val="000000"/>
+                </a:solidFill>
+                <a:effectLst/>
+                <a:latin typeface="Consolas" panose="020B0609020204030204" pitchFamily="49" charset="0"/>
+              </a:rPr>
+              <a:t>/(</a:t>
+            </a:r>
+            <a:r>
+              <a:rPr kumimoji="0" lang="fr-FR" altLang="fr-FR" sz="1200" b="0" i="0" u="none" strike="noStrike" cap="none" normalizeH="0" baseline="0" dirty="0" err="1" smtClean="0">
+                <a:ln>
+                  <a:noFill/>
+                </a:ln>
+                <a:solidFill>
+                  <a:srgbClr val="000000"/>
+                </a:solidFill>
+                <a:effectLst/>
+                <a:latin typeface="Consolas" panose="020B0609020204030204" pitchFamily="49" charset="0"/>
+              </a:rPr>
+              <a:t>np.sqrt</a:t>
+            </a:r>
+            <a:r>
+              <a:rPr kumimoji="0" lang="fr-FR" altLang="fr-FR" sz="1200" b="0" i="0" u="none" strike="noStrike" cap="none" normalizeH="0" baseline="0" dirty="0" smtClean="0">
+                <a:ln>
+                  <a:noFill/>
+                </a:ln>
+                <a:solidFill>
+                  <a:srgbClr val="000000"/>
+                </a:solidFill>
+                <a:effectLst/>
+                <a:latin typeface="Consolas" panose="020B0609020204030204" pitchFamily="49" charset="0"/>
+              </a:rPr>
+              <a:t>(</a:t>
+            </a:r>
+            <a:r>
+              <a:rPr kumimoji="0" lang="fr-FR" altLang="fr-FR" sz="1200" b="0" i="0" u="none" strike="noStrike" cap="none" normalizeH="0" baseline="0" dirty="0" smtClean="0">
+                <a:ln>
+                  <a:noFill/>
+                </a:ln>
+                <a:solidFill>
+                  <a:srgbClr val="0000FF"/>
+                </a:solidFill>
+                <a:effectLst/>
+                <a:latin typeface="Consolas" panose="020B0609020204030204" pitchFamily="49" charset="0"/>
+              </a:rPr>
+              <a:t>2</a:t>
+            </a:r>
+            <a:r>
+              <a:rPr kumimoji="0" lang="fr-FR" altLang="fr-FR" sz="1200" b="0" i="0" u="none" strike="noStrike" cap="none" normalizeH="0" baseline="0" dirty="0" smtClean="0">
+                <a:ln>
+                  <a:noFill/>
+                </a:ln>
+                <a:solidFill>
+                  <a:srgbClr val="000000"/>
+                </a:solidFill>
+                <a:effectLst/>
+                <a:latin typeface="Consolas" panose="020B0609020204030204" pitchFamily="49" charset="0"/>
+              </a:rPr>
+              <a:t>*</a:t>
+            </a:r>
+            <a:r>
+              <a:rPr kumimoji="0" lang="fr-FR" altLang="fr-FR" sz="1200" b="0" i="0" u="none" strike="noStrike" cap="none" normalizeH="0" baseline="0" dirty="0" err="1" smtClean="0">
+                <a:ln>
+                  <a:noFill/>
+                </a:ln>
+                <a:solidFill>
+                  <a:srgbClr val="000000"/>
+                </a:solidFill>
+                <a:effectLst/>
+                <a:latin typeface="Consolas" panose="020B0609020204030204" pitchFamily="49" charset="0"/>
+              </a:rPr>
+              <a:t>np.pi</a:t>
+            </a:r>
+            <a:r>
+              <a:rPr kumimoji="0" lang="fr-FR" altLang="fr-FR" sz="1200" b="0" i="0" u="none" strike="noStrike" cap="none" normalizeH="0" baseline="0" dirty="0" smtClean="0">
+                <a:ln>
+                  <a:noFill/>
+                </a:ln>
+                <a:solidFill>
+                  <a:srgbClr val="000000"/>
+                </a:solidFill>
+                <a:effectLst/>
+                <a:latin typeface="Consolas" panose="020B0609020204030204" pitchFamily="49" charset="0"/>
+              </a:rPr>
+              <a:t>*</a:t>
+            </a:r>
+            <a:r>
+              <a:rPr kumimoji="0" lang="fr-FR" altLang="fr-FR" sz="1200" b="0" i="0" u="none" strike="noStrike" cap="none" normalizeH="0" baseline="0" dirty="0" err="1" smtClean="0">
+                <a:ln>
+                  <a:noFill/>
+                </a:ln>
+                <a:solidFill>
+                  <a:srgbClr val="000000"/>
+                </a:solidFill>
+                <a:effectLst/>
+                <a:latin typeface="Consolas" panose="020B0609020204030204" pitchFamily="49" charset="0"/>
+              </a:rPr>
+              <a:t>np.power</a:t>
+            </a:r>
+            <a:r>
+              <a:rPr kumimoji="0" lang="fr-FR" altLang="fr-FR" sz="1200" b="0" i="0" u="none" strike="noStrike" cap="none" normalizeH="0" baseline="0" dirty="0" smtClean="0">
+                <a:ln>
+                  <a:noFill/>
+                </a:ln>
+                <a:solidFill>
+                  <a:srgbClr val="000000"/>
+                </a:solidFill>
+                <a:effectLst/>
+                <a:latin typeface="Consolas" panose="020B0609020204030204" pitchFamily="49" charset="0"/>
+              </a:rPr>
+              <a:t>(sigma,</a:t>
+            </a:r>
+            <a:r>
+              <a:rPr kumimoji="0" lang="fr-FR" altLang="fr-FR" sz="1200" b="0" i="0" u="none" strike="noStrike" cap="none" normalizeH="0" baseline="0" dirty="0" smtClean="0">
+                <a:ln>
+                  <a:noFill/>
+                </a:ln>
+                <a:solidFill>
+                  <a:srgbClr val="0000FF"/>
+                </a:solidFill>
+                <a:effectLst/>
+                <a:latin typeface="Consolas" panose="020B0609020204030204" pitchFamily="49" charset="0"/>
+              </a:rPr>
+              <a:t>2</a:t>
+            </a:r>
+            <a:r>
+              <a:rPr kumimoji="0" lang="fr-FR" altLang="fr-FR" sz="1200" b="0" i="0" u="none" strike="noStrike" cap="none" normalizeH="0" baseline="0" dirty="0" smtClean="0">
+                <a:ln>
+                  <a:noFill/>
+                </a:ln>
+                <a:solidFill>
+                  <a:srgbClr val="000000"/>
+                </a:solidFill>
+                <a:effectLst/>
+                <a:latin typeface="Consolas" panose="020B0609020204030204" pitchFamily="49" charset="0"/>
+              </a:rPr>
+              <a:t>))) * </a:t>
+            </a:r>
+            <a:r>
+              <a:rPr kumimoji="0" lang="fr-FR" altLang="fr-FR" sz="1200" b="0" i="0" u="none" strike="noStrike" cap="none" normalizeH="0" baseline="0" dirty="0" err="1" smtClean="0">
+                <a:ln>
+                  <a:noFill/>
+                </a:ln>
+                <a:solidFill>
+                  <a:srgbClr val="000000"/>
+                </a:solidFill>
+                <a:effectLst/>
+                <a:latin typeface="Consolas" panose="020B0609020204030204" pitchFamily="49" charset="0"/>
+              </a:rPr>
+              <a:t>np.exp</a:t>
+            </a:r>
+            <a:r>
+              <a:rPr kumimoji="0" lang="fr-FR" altLang="fr-FR" sz="1200" b="0" i="0" u="none" strike="noStrike" cap="none" normalizeH="0" baseline="0" dirty="0" smtClean="0">
+                <a:ln>
+                  <a:noFill/>
+                </a:ln>
+                <a:solidFill>
+                  <a:srgbClr val="000000"/>
+                </a:solidFill>
+                <a:effectLst/>
+                <a:latin typeface="Consolas" panose="020B0609020204030204" pitchFamily="49" charset="0"/>
+              </a:rPr>
+              <a:t>(-</a:t>
+            </a:r>
+            <a:r>
+              <a:rPr kumimoji="0" lang="fr-FR" altLang="fr-FR" sz="1200" b="0" i="0" u="none" strike="noStrike" cap="none" normalizeH="0" baseline="0" dirty="0" err="1" smtClean="0">
+                <a:ln>
+                  <a:noFill/>
+                </a:ln>
+                <a:solidFill>
+                  <a:srgbClr val="000000"/>
+                </a:solidFill>
+                <a:effectLst/>
+                <a:latin typeface="Consolas" panose="020B0609020204030204" pitchFamily="49" charset="0"/>
+              </a:rPr>
+              <a:t>np.power</a:t>
+            </a:r>
+            <a:r>
+              <a:rPr kumimoji="0" lang="fr-FR" altLang="fr-FR" sz="1200" b="0" i="0" u="none" strike="noStrike" cap="none" normalizeH="0" baseline="0" dirty="0" smtClean="0">
+                <a:ln>
+                  <a:noFill/>
+                </a:ln>
+                <a:solidFill>
+                  <a:srgbClr val="000000"/>
+                </a:solidFill>
+                <a:effectLst/>
+                <a:latin typeface="Consolas" panose="020B0609020204030204" pitchFamily="49" charset="0"/>
+              </a:rPr>
+              <a:t>((x-mu),</a:t>
+            </a:r>
+            <a:r>
+              <a:rPr kumimoji="0" lang="fr-FR" altLang="fr-FR" sz="1200" b="0" i="0" u="none" strike="noStrike" cap="none" normalizeH="0" baseline="0" dirty="0" smtClean="0">
+                <a:ln>
+                  <a:noFill/>
+                </a:ln>
+                <a:solidFill>
+                  <a:srgbClr val="0000FF"/>
+                </a:solidFill>
+                <a:effectLst/>
+                <a:latin typeface="Consolas" panose="020B0609020204030204" pitchFamily="49" charset="0"/>
+              </a:rPr>
+              <a:t>2</a:t>
+            </a:r>
+            <a:r>
+              <a:rPr kumimoji="0" lang="fr-FR" altLang="fr-FR" sz="1200" b="0" i="0" u="none" strike="noStrike" cap="none" normalizeH="0" baseline="0" dirty="0" smtClean="0">
+                <a:ln>
+                  <a:noFill/>
+                </a:ln>
+                <a:solidFill>
+                  <a:srgbClr val="000000"/>
+                </a:solidFill>
+                <a:effectLst/>
+                <a:latin typeface="Consolas" panose="020B0609020204030204" pitchFamily="49" charset="0"/>
+              </a:rPr>
+              <a:t>)/(</a:t>
+            </a:r>
+            <a:r>
+              <a:rPr kumimoji="0" lang="fr-FR" altLang="fr-FR" sz="1200" b="0" i="0" u="none" strike="noStrike" cap="none" normalizeH="0" baseline="0" dirty="0" smtClean="0">
+                <a:ln>
+                  <a:noFill/>
+                </a:ln>
+                <a:solidFill>
+                  <a:srgbClr val="0000FF"/>
+                </a:solidFill>
+                <a:effectLst/>
+                <a:latin typeface="Consolas" panose="020B0609020204030204" pitchFamily="49" charset="0"/>
+              </a:rPr>
+              <a:t>2</a:t>
+            </a:r>
+            <a:r>
+              <a:rPr kumimoji="0" lang="fr-FR" altLang="fr-FR" sz="1200" b="0" i="0" u="none" strike="noStrike" cap="none" normalizeH="0" baseline="0" dirty="0" smtClean="0">
+                <a:ln>
+                  <a:noFill/>
+                </a:ln>
+                <a:solidFill>
+                  <a:srgbClr val="000000"/>
+                </a:solidFill>
+                <a:effectLst/>
+                <a:latin typeface="Consolas" panose="020B0609020204030204" pitchFamily="49" charset="0"/>
+              </a:rPr>
+              <a:t>*</a:t>
+            </a:r>
+            <a:r>
+              <a:rPr kumimoji="0" lang="fr-FR" altLang="fr-FR" sz="1200" b="0" i="0" u="none" strike="noStrike" cap="none" normalizeH="0" baseline="0" dirty="0" err="1" smtClean="0">
+                <a:ln>
+                  <a:noFill/>
+                </a:ln>
+                <a:solidFill>
+                  <a:srgbClr val="000000"/>
+                </a:solidFill>
+                <a:effectLst/>
+                <a:latin typeface="Consolas" panose="020B0609020204030204" pitchFamily="49" charset="0"/>
+              </a:rPr>
+              <a:t>np.power</a:t>
+            </a:r>
+            <a:r>
+              <a:rPr kumimoji="0" lang="fr-FR" altLang="fr-FR" sz="1200" b="0" i="0" u="none" strike="noStrike" cap="none" normalizeH="0" baseline="0" dirty="0" smtClean="0">
+                <a:ln>
+                  <a:noFill/>
+                </a:ln>
+                <a:solidFill>
+                  <a:srgbClr val="000000"/>
+                </a:solidFill>
+                <a:effectLst/>
+                <a:latin typeface="Consolas" panose="020B0609020204030204" pitchFamily="49" charset="0"/>
+              </a:rPr>
+              <a:t>(sigma,</a:t>
+            </a:r>
+            <a:r>
+              <a:rPr kumimoji="0" lang="fr-FR" altLang="fr-FR" sz="1200" b="0" i="0" u="none" strike="noStrike" cap="none" normalizeH="0" baseline="0" dirty="0" smtClean="0">
+                <a:ln>
+                  <a:noFill/>
+                </a:ln>
+                <a:solidFill>
+                  <a:srgbClr val="0000FF"/>
+                </a:solidFill>
+                <a:effectLst/>
+                <a:latin typeface="Consolas" panose="020B0609020204030204" pitchFamily="49" charset="0"/>
+              </a:rPr>
+              <a:t>2</a:t>
+            </a:r>
+            <a:r>
+              <a:rPr kumimoji="0" lang="fr-FR" altLang="fr-FR" sz="1200" b="0" i="0" u="none" strike="noStrike" cap="none" normalizeH="0" baseline="0" dirty="0" smtClean="0">
+                <a:ln>
+                  <a:noFill/>
+                </a:ln>
+                <a:solidFill>
+                  <a:srgbClr val="000000"/>
+                </a:solidFill>
+                <a:effectLst/>
+                <a:latin typeface="Consolas" panose="020B0609020204030204" pitchFamily="49" charset="0"/>
+              </a:rPr>
+              <a:t>)))</a:t>
+            </a:r>
+            <a:br>
+              <a:rPr kumimoji="0" lang="fr-FR" altLang="fr-FR" sz="1200" b="0" i="0" u="none" strike="noStrike" cap="none" normalizeH="0" baseline="0" dirty="0" smtClean="0">
+                <a:ln>
+                  <a:noFill/>
+                </a:ln>
+                <a:solidFill>
+                  <a:srgbClr val="000000"/>
+                </a:solidFill>
+                <a:effectLst/>
+                <a:latin typeface="Consolas" panose="020B0609020204030204" pitchFamily="49" charset="0"/>
+              </a:rPr>
+            </a:br>
+            <a:r>
+              <a:rPr kumimoji="0" lang="fr-FR" altLang="fr-FR" sz="1200" b="0" i="0" u="none" strike="noStrike" cap="none" normalizeH="0" baseline="0" dirty="0" smtClean="0">
+                <a:ln>
+                  <a:noFill/>
+                </a:ln>
+                <a:solidFill>
+                  <a:srgbClr val="000000"/>
+                </a:solidFill>
+                <a:effectLst/>
+                <a:latin typeface="Consolas" panose="020B0609020204030204" pitchFamily="49" charset="0"/>
+              </a:rPr>
+              <a:t/>
+            </a:r>
+            <a:br>
+              <a:rPr kumimoji="0" lang="fr-FR" altLang="fr-FR" sz="1200" b="0" i="0" u="none" strike="noStrike" cap="none" normalizeH="0" baseline="0" dirty="0" smtClean="0">
+                <a:ln>
+                  <a:noFill/>
+                </a:ln>
+                <a:solidFill>
+                  <a:srgbClr val="000000"/>
+                </a:solidFill>
+                <a:effectLst/>
+                <a:latin typeface="Consolas" panose="020B0609020204030204" pitchFamily="49" charset="0"/>
+              </a:rPr>
+            </a:br>
+            <a:r>
+              <a:rPr kumimoji="0" lang="fr-FR" altLang="fr-FR" sz="1200" b="0" i="0" u="none" strike="noStrike" cap="none" normalizeH="0" baseline="0" dirty="0" smtClean="0">
+                <a:ln>
+                  <a:noFill/>
+                </a:ln>
+                <a:solidFill>
+                  <a:srgbClr val="000000"/>
+                </a:solidFill>
+                <a:effectLst/>
+                <a:latin typeface="Consolas" panose="020B0609020204030204" pitchFamily="49" charset="0"/>
+              </a:rPr>
+              <a:t>y = f(x)</a:t>
+            </a:r>
+            <a:br>
+              <a:rPr kumimoji="0" lang="fr-FR" altLang="fr-FR" sz="1200" b="0" i="0" u="none" strike="noStrike" cap="none" normalizeH="0" baseline="0" dirty="0" smtClean="0">
+                <a:ln>
+                  <a:noFill/>
+                </a:ln>
+                <a:solidFill>
+                  <a:srgbClr val="000000"/>
+                </a:solidFill>
+                <a:effectLst/>
+                <a:latin typeface="Consolas" panose="020B0609020204030204" pitchFamily="49" charset="0"/>
+              </a:rPr>
+            </a:br>
+            <a:r>
+              <a:rPr kumimoji="0" lang="fr-FR" altLang="fr-FR" sz="1200" b="0" i="0" u="none" strike="noStrike" cap="none" normalizeH="0" baseline="0" dirty="0" err="1" smtClean="0">
+                <a:ln>
+                  <a:noFill/>
+                </a:ln>
+                <a:solidFill>
+                  <a:srgbClr val="000000"/>
+                </a:solidFill>
+                <a:effectLst/>
+                <a:latin typeface="Consolas" panose="020B0609020204030204" pitchFamily="49" charset="0"/>
+              </a:rPr>
+              <a:t>plt.plot</a:t>
+            </a:r>
+            <a:r>
+              <a:rPr kumimoji="0" lang="fr-FR" altLang="fr-FR" sz="1200" b="0" i="0" u="none" strike="noStrike" cap="none" normalizeH="0" baseline="0" dirty="0" smtClean="0">
+                <a:ln>
+                  <a:noFill/>
+                </a:ln>
+                <a:solidFill>
+                  <a:srgbClr val="000000"/>
+                </a:solidFill>
+                <a:effectLst/>
+                <a:latin typeface="Consolas" panose="020B0609020204030204" pitchFamily="49" charset="0"/>
+              </a:rPr>
+              <a:t>(x, y)</a:t>
+            </a:r>
+            <a:br>
+              <a:rPr kumimoji="0" lang="fr-FR" altLang="fr-FR" sz="1200" b="0" i="0" u="none" strike="noStrike" cap="none" normalizeH="0" baseline="0" dirty="0" smtClean="0">
+                <a:ln>
+                  <a:noFill/>
+                </a:ln>
+                <a:solidFill>
+                  <a:srgbClr val="000000"/>
+                </a:solidFill>
+                <a:effectLst/>
+                <a:latin typeface="Consolas" panose="020B0609020204030204" pitchFamily="49" charset="0"/>
+              </a:rPr>
+            </a:br>
+            <a:r>
+              <a:rPr kumimoji="0" lang="fr-FR" altLang="fr-FR" sz="1200" b="0" i="0" u="none" strike="noStrike" cap="none" normalizeH="0" baseline="0" dirty="0" err="1" smtClean="0">
+                <a:ln>
+                  <a:noFill/>
+                </a:ln>
+                <a:solidFill>
+                  <a:srgbClr val="000000"/>
+                </a:solidFill>
+                <a:effectLst/>
+                <a:latin typeface="Consolas" panose="020B0609020204030204" pitchFamily="49" charset="0"/>
+              </a:rPr>
+              <a:t>plt.show</a:t>
+            </a:r>
+            <a:r>
+              <a:rPr kumimoji="0" lang="fr-FR" altLang="fr-FR" sz="1200" b="0" i="0" u="none" strike="noStrike" cap="none" normalizeH="0" baseline="0" dirty="0" smtClean="0">
+                <a:ln>
+                  <a:noFill/>
+                </a:ln>
+                <a:solidFill>
+                  <a:srgbClr val="000000"/>
+                </a:solidFill>
+                <a:effectLst/>
+                <a:latin typeface="Consolas" panose="020B0609020204030204" pitchFamily="49" charset="0"/>
+              </a:rPr>
+              <a:t>()</a:t>
+            </a:r>
+            <a:endParaRPr kumimoji="0" lang="fr-FR" altLang="fr-FR" sz="2800" b="0" i="0" u="none" strike="noStrike" cap="none" normalizeH="0" baseline="0" dirty="0" smtClean="0">
+              <a:ln>
+                <a:noFill/>
+              </a:ln>
+              <a:solidFill>
+                <a:schemeClr val="tx1"/>
+              </a:solidFill>
+              <a:effectLst/>
+              <a:latin typeface="Arial" panose="020B0604020202020204" pitchFamily="34" charset="0"/>
+            </a:endParaRPr>
+          </a:p>
+        </p:txBody>
+      </p:sp>
+    </p:spTree>
+    <p:extLst>
+      <p:ext uri="{BB962C8B-B14F-4D97-AF65-F5344CB8AC3E}">
+        <p14:creationId xmlns:p14="http://schemas.microsoft.com/office/powerpoint/2010/main" val="4263704340"/>
+      </p:ext>
+    </p:extLst>
+  </p:cSld>
+  <p:clrMapOvr>
+    <a:masterClrMapping/>
+  </p:clrMapOvr>
+</p:sld>
+</file>
+
+<file path=ppt/slides/slide6.xml><?xml version="1.0" encoding="utf-8"?>
+<p:sld xmlns:a="http://schemas.openxmlformats.org/drawingml/2006/main" xmlns:r="http://schemas.openxmlformats.org/officeDocument/2006/relationships" xmlns:p="http://schemas.openxmlformats.org/presentationml/2006/main">
+  <p:cSld>
+    <p:spTree>
+      <p:nvGrpSpPr>
+        <p:cNvPr id="1" name=""/>
+        <p:cNvGrpSpPr/>
+        <p:nvPr/>
+      </p:nvGrpSpPr>
+      <p:grpSpPr>
+        <a:xfrm>
+          <a:off x="0" y="0"/>
+          <a:ext cx="0" cy="0"/>
+          <a:chOff x="0" y="0"/>
+          <a:chExt cx="0" cy="0"/>
+        </a:xfrm>
+      </p:grpSpPr>
+      <p:sp>
+        <p:nvSpPr>
+          <p:cNvPr id="2" name="Titre 1"/>
+          <p:cNvSpPr>
+            <a:spLocks noGrp="1"/>
+          </p:cNvSpPr>
+          <p:nvPr>
+            <p:ph type="title"/>
+          </p:nvPr>
+        </p:nvSpPr>
+        <p:spPr/>
+        <p:txBody>
+          <a:bodyPr/>
+          <a:lstStyle/>
+          <a:p>
+            <a:r>
+              <a:rPr lang="fr-FR" dirty="0" smtClean="0"/>
+              <a:t>Loi normale</a:t>
             </a:r>
             <a:endParaRPr lang="fr-FR" dirty="0"/>
           </a:p>
@@ -4227,106 +5208,32 @@
           <a:p>
             <a:r>
               <a:rPr lang="fr-FR" dirty="0" smtClean="0"/>
-              <a:t>Les distribution des salaire en France ne suit pas une gaussienne</a:t>
+              <a:t>Avec le calcul de la distribution des données il est possible de filtrer les données trop éloignée de la loi normale</a:t>
             </a:r>
           </a:p>
           <a:p>
             <a:pPr lvl="1"/>
             <a:r>
               <a:rPr lang="fr-FR" dirty="0" smtClean="0"/>
-              <a:t>C’est une gaussienne asymétrique</a:t>
+              <a:t>Possibilité de filtrer les données &gt; 3 * Sigma</a:t>
             </a:r>
           </a:p>
           <a:p>
             <a:r>
               <a:rPr lang="fr-FR" dirty="0" smtClean="0"/>
-              <a:t>La moyenne et l’écart type n’ont pas de sens</a:t>
-            </a:r>
-          </a:p>
-          <a:p>
-            <a:r>
-              <a:rPr lang="fr-FR" dirty="0" smtClean="0"/>
-              <a:t>Il faut utilise la médiane et les *iles</a:t>
-            </a:r>
-          </a:p>
-          <a:p>
-            <a:r>
-              <a:rPr lang="fr-FR" dirty="0" smtClean="0"/>
-              <a:t>Exemple</a:t>
+              <a:t>Possibilité de calculer la médiane, quartile, décile, centile</a:t>
             </a:r>
           </a:p>
           <a:p>
             <a:pPr lvl="1"/>
-            <a:r>
-              <a:rPr lang="fr-FR" dirty="0" smtClean="0"/>
-              <a:t>Salaire équivalent temps plein net</a:t>
-            </a:r>
-          </a:p>
-          <a:p>
-            <a:pPr lvl="1"/>
-            <a:r>
-              <a:rPr lang="fr-FR" dirty="0" smtClean="0"/>
-              <a:t>Salaire moyen : 2250 €</a:t>
-            </a:r>
-          </a:p>
-          <a:p>
-            <a:pPr lvl="1"/>
-            <a:r>
-              <a:rPr lang="fr-FR" dirty="0" smtClean="0"/>
-              <a:t>Salaire médian : 1797 €</a:t>
-            </a:r>
-          </a:p>
-          <a:p>
-            <a:pPr lvl="1"/>
-            <a:endParaRPr lang="fr-FR" dirty="0"/>
+            <a:endParaRPr lang="fr-FR" dirty="0" smtClean="0"/>
           </a:p>
         </p:txBody>
       </p:sp>
-      <p:pic>
-        <p:nvPicPr>
-          <p:cNvPr id="5122" name="Picture 2" descr="Résultat de recherche d'images pour &quot;distribution des salaires en france&quot;"/>
-          <p:cNvPicPr>
-            <a:picLocks noChangeAspect="1" noChangeArrowheads="1"/>
-          </p:cNvPicPr>
-          <p:nvPr/>
-        </p:nvPicPr>
-        <p:blipFill>
-          <a:blip r:embed="rId2" cstate="print">
-            <a:extLst>
-              <a:ext uri="{28A0092B-C50C-407E-A947-70E740481C1C}">
-                <a14:useLocalDpi xmlns:a14="http://schemas.microsoft.com/office/drawing/2010/main" val="0"/>
-              </a:ext>
-            </a:extLst>
-          </a:blip>
-          <a:srcRect/>
-          <a:stretch>
-            <a:fillRect/>
-          </a:stretch>
-        </p:blipFill>
-        <p:spPr bwMode="auto">
-          <a:xfrm>
-            <a:off x="5657864" y="3789040"/>
-            <a:ext cx="3367370" cy="2262577"/>
-          </a:xfrm>
-          <a:prstGeom prst="rect">
-            <a:avLst/>
-          </a:prstGeom>
-          <a:noFill/>
-          <a:extLst>
-            <a:ext uri="{909E8E84-426E-40DD-AFC4-6F175D3DCCD1}">
-              <a14:hiddenFill xmlns:a14="http://schemas.microsoft.com/office/drawing/2010/main">
-                <a:solidFill>
-                  <a:srgbClr val="FFFFFF"/>
-                </a:solidFill>
-              </a14:hiddenFill>
-            </a:ext>
-          </a:extLst>
-        </p:spPr>
-      </p:pic>
     </p:spTree>
     <p:extLst>
       <p:ext uri="{BB962C8B-B14F-4D97-AF65-F5344CB8AC3E}">
-        <p14:creationId xmlns:p14="http://schemas.microsoft.com/office/powerpoint/2010/main" val="1440907415"/>
+        <p14:creationId xmlns:p14="http://schemas.microsoft.com/office/powerpoint/2010/main" val="2714182193"/>
       </p:ext>
     </p:extLst>
   </p:cSld>
@@ -4336,7 +5243,7 @@
 </p:sld>
 </file>
 
-<file path=ppt/slides/slide6.xml><?xml version="1.0" encoding="utf-8"?>
+<file path=ppt/slides/slide7.xml><?xml version="1.0" encoding="utf-8"?>
 <p:sld xmlns:a="http://schemas.openxmlformats.org/drawingml/2006/main" xmlns:r="http://schemas.openxmlformats.org/officeDocument/2006/relationships" xmlns:p="http://schemas.openxmlformats.org/presentationml/2006/main">
   <p:cSld>
     <p:spTree>
@@ -4496,6 +5403,276 @@
       </p:par>
     </p:tnLst>
   </p:timing>
+</p:sld>
+</file>
+
+<file path=ppt/slides/slide8.xml><?xml version="1.0" encoding="utf-8"?>
+<p:sld xmlns:a="http://schemas.openxmlformats.org/drawingml/2006/main" xmlns:r="http://schemas.openxmlformats.org/officeDocument/2006/relationships" xmlns:p="http://schemas.openxmlformats.org/presentationml/2006/main">
+  <p:cSld>
+    <p:spTree>
+      <p:nvGrpSpPr>
+        <p:cNvPr id="1" name=""/>
+        <p:cNvGrpSpPr/>
+        <p:nvPr/>
+      </p:nvGrpSpPr>
+      <p:grpSpPr>
+        <a:xfrm>
+          <a:off x="0" y="0"/>
+          <a:ext cx="0" cy="0"/>
+          <a:chOff x="0" y="0"/>
+          <a:chExt cx="0" cy="0"/>
+        </a:xfrm>
+      </p:grpSpPr>
+      <p:sp>
+        <p:nvSpPr>
+          <p:cNvPr id="2" name="Titre 1"/>
+          <p:cNvSpPr>
+            <a:spLocks noGrp="1"/>
+          </p:cNvSpPr>
+          <p:nvPr>
+            <p:ph type="title"/>
+          </p:nvPr>
+        </p:nvSpPr>
+        <p:spPr/>
+        <p:txBody>
+          <a:bodyPr/>
+          <a:lstStyle/>
+          <a:p>
+            <a:r>
+              <a:rPr lang="fr-FR" dirty="0" smtClean="0"/>
+              <a:t>Théorème centrale limite</a:t>
+            </a:r>
+            <a:endParaRPr lang="fr-FR" dirty="0"/>
+          </a:p>
+        </p:txBody>
+      </p:sp>
+      <p:sp>
+        <p:nvSpPr>
+          <p:cNvPr id="3" name="Espace réservé du contenu 2"/>
+          <p:cNvSpPr>
+            <a:spLocks noGrp="1"/>
+          </p:cNvSpPr>
+          <p:nvPr>
+            <p:ph idx="1"/>
+          </p:nvPr>
+        </p:nvSpPr>
+        <p:spPr/>
+        <p:txBody>
+          <a:bodyPr/>
+          <a:lstStyle/>
+          <a:p>
+            <a:r>
+              <a:rPr lang="fr-FR" dirty="0" smtClean="0"/>
+              <a:t>Soit une matrice aléatoires avec des valeurs [-n, n]</a:t>
+            </a:r>
+          </a:p>
+          <a:p>
+            <a:pPr lvl="1"/>
+            <a:r>
+              <a:rPr lang="fr-FR" dirty="0" smtClean="0"/>
+              <a:t>La moyenne et la somme est 0</a:t>
+            </a:r>
+          </a:p>
+          <a:p>
+            <a:pPr lvl="1"/>
+            <a:r>
+              <a:rPr lang="fr-FR" dirty="0" smtClean="0"/>
+              <a:t>La distribution des sommes des lignes est gaussienne centrée sur 0</a:t>
+            </a:r>
+          </a:p>
+          <a:p>
+            <a:pPr lvl="1"/>
+            <a:r>
+              <a:rPr lang="fr-FR" dirty="0" smtClean="0"/>
+              <a:t>Médiane = moyenne</a:t>
+            </a:r>
+          </a:p>
+          <a:p>
+            <a:pPr lvl="1"/>
+            <a:endParaRPr lang="fr-FR" dirty="0" smtClean="0"/>
+          </a:p>
+          <a:p>
+            <a:pPr lvl="1"/>
+            <a:endParaRPr lang="fr-FR" dirty="0"/>
+          </a:p>
+        </p:txBody>
+      </p:sp>
+    </p:spTree>
+    <p:extLst>
+      <p:ext uri="{BB962C8B-B14F-4D97-AF65-F5344CB8AC3E}">
+        <p14:creationId xmlns:p14="http://schemas.microsoft.com/office/powerpoint/2010/main" val="1041234874"/>
+      </p:ext>
+    </p:extLst>
+  </p:cSld>
+  <p:clrMapOvr>
+    <a:masterClrMapping/>
+  </p:clrMapOvr>
+</p:sld>
+</file>
+
+<file path=ppt/slides/slide9.xml><?xml version="1.0" encoding="utf-8"?>
+<p:sld xmlns:a="http://schemas.openxmlformats.org/drawingml/2006/main" xmlns:r="http://schemas.openxmlformats.org/officeDocument/2006/relationships" xmlns:p="http://schemas.openxmlformats.org/presentationml/2006/main">
+  <p:cSld>
+    <p:spTree>
+      <p:nvGrpSpPr>
+        <p:cNvPr id="1" name=""/>
+        <p:cNvGrpSpPr/>
+        <p:nvPr/>
+      </p:nvGrpSpPr>
+      <p:grpSpPr>
+        <a:xfrm>
+          <a:off x="0" y="0"/>
+          <a:ext cx="0" cy="0"/>
+          <a:chOff x="0" y="0"/>
+          <a:chExt cx="0" cy="0"/>
+        </a:xfrm>
+      </p:grpSpPr>
+      <p:sp>
+        <p:nvSpPr>
+          <p:cNvPr id="2" name="Titre 1"/>
+          <p:cNvSpPr>
+            <a:spLocks noGrp="1"/>
+          </p:cNvSpPr>
+          <p:nvPr>
+            <p:ph type="title"/>
+          </p:nvPr>
+        </p:nvSpPr>
+        <p:spPr/>
+        <p:txBody>
+          <a:bodyPr/>
+          <a:lstStyle/>
+          <a:p>
+            <a:r>
+              <a:rPr lang="fr-FR" dirty="0" smtClean="0"/>
+              <a:t>Cas non gaussien</a:t>
+            </a:r>
+            <a:endParaRPr lang="fr-FR" dirty="0"/>
+          </a:p>
+        </p:txBody>
+      </p:sp>
+      <p:sp>
+        <p:nvSpPr>
+          <p:cNvPr id="3" name="Espace réservé du contenu 2"/>
+          <p:cNvSpPr>
+            <a:spLocks noGrp="1"/>
+          </p:cNvSpPr>
+          <p:nvPr>
+            <p:ph idx="1"/>
+          </p:nvPr>
+        </p:nvSpPr>
+        <p:spPr/>
+        <p:txBody>
+          <a:bodyPr/>
+          <a:lstStyle/>
+          <a:p>
+            <a:r>
+              <a:rPr lang="fr-FR" dirty="0" smtClean="0"/>
+              <a:t>Les distribution des salaire en France ne suit pas une gaussienne</a:t>
+            </a:r>
+          </a:p>
+          <a:p>
+            <a:pPr lvl="1"/>
+            <a:r>
+              <a:rPr lang="fr-FR" dirty="0" smtClean="0"/>
+              <a:t>C’est une gaussienne asymétrique</a:t>
+            </a:r>
+          </a:p>
+          <a:p>
+            <a:r>
+              <a:rPr lang="fr-FR" dirty="0" smtClean="0"/>
+              <a:t>La moyenne et l’écart type n’ont pas de sens</a:t>
+            </a:r>
+          </a:p>
+          <a:p>
+            <a:r>
+              <a:rPr lang="fr-FR" dirty="0" smtClean="0"/>
+              <a:t>Il faut utilise la médiane et les *iles</a:t>
+            </a:r>
+          </a:p>
+          <a:p>
+            <a:r>
+              <a:rPr lang="fr-FR" dirty="0" smtClean="0"/>
+              <a:t>Exemple</a:t>
+            </a:r>
+          </a:p>
+          <a:p>
+            <a:pPr lvl="1"/>
+            <a:r>
+              <a:rPr lang="fr-FR" dirty="0" smtClean="0"/>
+              <a:t>Salaire équivalent temps plein net</a:t>
+            </a:r>
+          </a:p>
+          <a:p>
+            <a:pPr lvl="1"/>
+            <a:r>
+              <a:rPr lang="fr-FR" dirty="0" smtClean="0"/>
+              <a:t>Salaire moyen : 2250 €</a:t>
+            </a:r>
+          </a:p>
+          <a:p>
+            <a:pPr lvl="1"/>
+            <a:r>
+              <a:rPr lang="fr-FR" dirty="0" smtClean="0"/>
+              <a:t>Salaire médian : 1797 €</a:t>
+            </a:r>
+          </a:p>
+          <a:p>
+            <a:pPr lvl="1"/>
+            <a:endParaRPr lang="fr-FR" dirty="0"/>
+          </a:p>
+        </p:txBody>
+      </p:sp>
+      <p:pic>
+        <p:nvPicPr>
+          <p:cNvPr id="5122" name="Picture 2" descr="Résultat de recherche d'images pour &quot;distribution des salaires en france&quot;"/>
+          <p:cNvPicPr>
+            <a:picLocks noChangeAspect="1" noChangeArrowheads="1"/>
+          </p:cNvPicPr>
+          <p:nvPr/>
+        </p:nvPicPr>
+        <p:blipFill>
+          <a:blip r:embed="rId2" cstate="print">
+            <a:extLst>
+              <a:ext uri="{28A0092B-C50C-407E-A947-70E740481C1C}">
+                <a14:useLocalDpi xmlns:a14="http://schemas.microsoft.com/office/drawing/2010/main" val="0"/>
+              </a:ext>
+            </a:extLst>
+          </a:blip>
+          <a:srcRect/>
+          <a:stretch>
+            <a:fillRect/>
+          </a:stretch>
+        </p:blipFill>
+        <p:spPr bwMode="auto">
+          <a:xfrm>
+            <a:off x="5657864" y="3789040"/>
+            <a:ext cx="3367370" cy="2262577"/>
+          </a:xfrm>
+          <a:prstGeom prst="rect">
+            <a:avLst/>
+          </a:prstGeom>
+          <a:noFill/>
+          <a:extLst>
+            <a:ext uri="{909E8E84-426E-40DD-AFC4-6F175D3DCCD1}">
+              <a14:hiddenFill xmlns:a14="http://schemas.microsoft.com/office/drawing/2010/main">
+                <a:solidFill>
+                  <a:srgbClr val="FFFFFF"/>
+                </a:solidFill>
+              </a14:hiddenFill>
+            </a:ext>
+          </a:extLst>
+        </p:spPr>
+      </p:pic>
+    </p:spTree>
+    <p:extLst>
+      <p:ext uri="{BB962C8B-B14F-4D97-AF65-F5344CB8AC3E}">
+        <p14:creationId xmlns:p14="http://schemas.microsoft.com/office/powerpoint/2010/main" val="1440907415"/>
+      </p:ext>
+    </p:extLst>
+  </p:cSld>
+  <p:clrMapOvr>
+    <a:masterClrMapping/>
+  </p:clrMapOvr>
 </p:sld>
 </file>
 

--- a/ppt/PythonMath09-Stats.pptx
+++ b/ppt/PythonMath09-Stats.pptx
@@ -3868,8 +3868,8 @@
           </a:p>
           <a:p>
             <a:r>
-              <a:rPr lang="fr-FR" dirty="0" err="1" smtClean="0"/>
-              <a:t>Quantil</a:t>
+              <a:rPr lang="fr-FR" dirty="0" smtClean="0"/>
+              <a:t>Quantile</a:t>
             </a:r>
             <a:endParaRPr lang="fr-FR" dirty="0" smtClean="0"/>
           </a:p>
@@ -3963,6 +3963,13 @@
   <p:clrMapOvr>
     <a:masterClrMapping/>
   </p:clrMapOvr>
+  <p:timing>
+    <p:tnLst>
+      <p:par>
+        <p:cTn id="1" dur="indefinite" restart="never" nodeType="tmRoot"/>
+      </p:par>
+    </p:tnLst>
+  </p:timing>
 </p:sld>
 </file>
 
@@ -4107,6 +4114,13 @@
   <p:clrMapOvr>
     <a:masterClrMapping/>
   </p:clrMapOvr>
+  <p:timing>
+    <p:tnLst>
+      <p:par>
+        <p:cTn id="1" dur="indefinite" restart="never" nodeType="tmRoot"/>
+      </p:par>
+    </p:tnLst>
+  </p:timing>
 </p:sld>
 </file>
 
@@ -4254,6 +4268,13 @@
   <p:clrMapOvr>
     <a:masterClrMapping/>
   </p:clrMapOvr>
+  <p:timing>
+    <p:tnLst>
+      <p:par>
+        <p:cTn id="1" dur="indefinite" restart="never" nodeType="tmRoot"/>
+      </p:par>
+    </p:tnLst>
+  </p:timing>
 </p:sld>
 </file>
 
@@ -4331,6 +4352,13 @@
   <p:clrMapOvr>
     <a:masterClrMapping/>
   </p:clrMapOvr>
+  <p:timing>
+    <p:tnLst>
+      <p:par>
+        <p:cTn id="1" dur="indefinite" restart="never" nodeType="tmRoot"/>
+      </p:par>
+    </p:tnLst>
+  </p:timing>
 </p:sld>
 </file>
 
@@ -5148,6 +5176,13 @@
   <p:clrMapOvr>
     <a:masterClrMapping/>
   </p:clrMapOvr>
+  <p:timing>
+    <p:tnLst>
+      <p:par>
+        <p:cTn id="1" dur="indefinite" restart="never" nodeType="tmRoot"/>
+      </p:par>
+    </p:tnLst>
+  </p:timing>
 </p:sld>
 </file>
 
@@ -5240,6 +5275,13 @@
   <p:clrMapOvr>
     <a:masterClrMapping/>
   </p:clrMapOvr>
+  <p:timing>
+    <p:tnLst>
+      <p:par>
+        <p:cTn id="1" dur="indefinite" restart="never" nodeType="tmRoot"/>
+      </p:par>
+    </p:tnLst>
+  </p:timing>
 </p:sld>
 </file>
 
@@ -5507,6 +5549,13 @@
   <p:clrMapOvr>
     <a:masterClrMapping/>
   </p:clrMapOvr>
+  <p:timing>
+    <p:tnLst>
+      <p:par>
+        <p:cTn id="1" dur="indefinite" restart="never" nodeType="tmRoot"/>
+      </p:par>
+    </p:tnLst>
+  </p:timing>
 </p:sld>
 </file>
 
@@ -5673,6 +5722,13 @@
   <p:clrMapOvr>
     <a:masterClrMapping/>
   </p:clrMapOvr>
+  <p:timing>
+    <p:tnLst>
+      <p:par>
+        <p:cTn id="1" dur="indefinite" restart="never" nodeType="tmRoot"/>
+      </p:par>
+    </p:tnLst>
+  </p:timing>
 </p:sld>
 </file>
 

--- a/ppt/PythonMath09-Stats.pptx
+++ b/ppt/PythonMath09-Stats.pptx
@@ -613,35 +613,35 @@
           <a:p>
             <a:pPr lvl="0"/>
             <a:r>
-              <a:rPr lang="fr-FR" noProof="0" smtClean="0"/>
+              <a:rPr lang="fr-FR" noProof="0"/>
               <a:t>Cliquez pour modifier les styles du texte du masque</a:t>
             </a:r>
           </a:p>
           <a:p>
             <a:pPr lvl="1"/>
             <a:r>
-              <a:rPr lang="fr-FR" noProof="0" smtClean="0"/>
+              <a:rPr lang="fr-FR" noProof="0"/>
               <a:t>Deuxième niveau</a:t>
             </a:r>
           </a:p>
           <a:p>
             <a:pPr lvl="2"/>
             <a:r>
-              <a:rPr lang="fr-FR" noProof="0" smtClean="0"/>
+              <a:rPr lang="fr-FR" noProof="0"/>
               <a:t>Troisième niveau</a:t>
             </a:r>
           </a:p>
           <a:p>
             <a:pPr lvl="3"/>
             <a:r>
-              <a:rPr lang="fr-FR" noProof="0" smtClean="0"/>
+              <a:rPr lang="fr-FR" noProof="0"/>
               <a:t>Quatrième niveau</a:t>
             </a:r>
           </a:p>
           <a:p>
             <a:pPr lvl="4"/>
             <a:r>
-              <a:rPr lang="fr-FR" noProof="0" smtClean="0"/>
+              <a:rPr lang="fr-FR" noProof="0"/>
               <a:t>Cinquième niveau</a:t>
             </a:r>
           </a:p>
@@ -929,10 +929,9 @@
           <a:lstStyle/>
           <a:p>
             <a:r>
-              <a:rPr lang="fr-FR" smtClean="0"/>
+              <a:rPr lang="fr-FR"/>
               <a:t>Cliquez pour modifier le style du titre</a:t>
             </a:r>
-            <a:endParaRPr lang="fr-FR"/>
           </a:p>
         </p:txBody>
       </p:sp>
@@ -994,10 +993,9 @@
           </a:lstStyle>
           <a:p>
             <a:r>
-              <a:rPr lang="fr-FR" smtClean="0"/>
+              <a:rPr lang="fr-FR"/>
               <a:t>Cliquez pour modifier le style des sous-titres du masque</a:t>
             </a:r>
-            <a:endParaRPr lang="fr-FR"/>
           </a:p>
         </p:txBody>
       </p:sp>
@@ -1052,10 +1050,9 @@
           <a:lstStyle/>
           <a:p>
             <a:r>
-              <a:rPr lang="fr-FR" smtClean="0"/>
+              <a:rPr lang="fr-FR"/>
               <a:t>Cliquez pour modifier le style du titre</a:t>
             </a:r>
-            <a:endParaRPr lang="fr-FR"/>
           </a:p>
         </p:txBody>
       </p:sp>
@@ -1081,38 +1078,37 @@
           <a:p>
             <a:pPr lvl="0"/>
             <a:r>
-              <a:rPr lang="fr-FR" smtClean="0"/>
+              <a:rPr lang="fr-FR"/>
               <a:t>Cliquez pour modifier les styles du texte du masque</a:t>
             </a:r>
           </a:p>
           <a:p>
             <a:pPr lvl="1"/>
             <a:r>
-              <a:rPr lang="fr-FR" smtClean="0"/>
+              <a:rPr lang="fr-FR"/>
               <a:t>Deuxième niveau</a:t>
             </a:r>
           </a:p>
           <a:p>
             <a:pPr lvl="2"/>
             <a:r>
-              <a:rPr lang="fr-FR" smtClean="0"/>
+              <a:rPr lang="fr-FR"/>
               <a:t>Troisième niveau</a:t>
             </a:r>
           </a:p>
           <a:p>
             <a:pPr lvl="3"/>
             <a:r>
-              <a:rPr lang="fr-FR" smtClean="0"/>
+              <a:rPr lang="fr-FR"/>
               <a:t>Quatrième niveau</a:t>
             </a:r>
           </a:p>
           <a:p>
             <a:pPr lvl="4"/>
             <a:r>
-              <a:rPr lang="fr-FR" smtClean="0"/>
+              <a:rPr lang="fr-FR"/>
               <a:t>Cinquième niveau</a:t>
             </a:r>
-            <a:endParaRPr lang="fr-FR"/>
           </a:p>
         </p:txBody>
       </p:sp>
@@ -1171,10 +1167,9 @@
           </a:lstStyle>
           <a:p>
             <a:r>
-              <a:rPr lang="fr-FR" dirty="0" smtClean="0"/>
+              <a:rPr lang="fr-FR" dirty="0"/>
               <a:t>Cliquez pour modifier le style du titre</a:t>
             </a:r>
-            <a:endParaRPr lang="fr-FR" dirty="0"/>
           </a:p>
         </p:txBody>
       </p:sp>
@@ -1200,38 +1195,37 @@
           <a:p>
             <a:pPr lvl="0"/>
             <a:r>
-              <a:rPr lang="fr-FR" dirty="0" smtClean="0"/>
+              <a:rPr lang="fr-FR" dirty="0"/>
               <a:t>Cliquez pour modifier les styles du texte du masque</a:t>
             </a:r>
           </a:p>
           <a:p>
             <a:pPr lvl="1"/>
             <a:r>
-              <a:rPr lang="fr-FR" dirty="0" smtClean="0"/>
+              <a:rPr lang="fr-FR" dirty="0"/>
               <a:t>Deuxième niveau</a:t>
             </a:r>
           </a:p>
           <a:p>
             <a:pPr lvl="2"/>
             <a:r>
-              <a:rPr lang="fr-FR" dirty="0" smtClean="0"/>
+              <a:rPr lang="fr-FR" dirty="0"/>
               <a:t>Troisième niveau</a:t>
             </a:r>
           </a:p>
           <a:p>
             <a:pPr lvl="3"/>
             <a:r>
-              <a:rPr lang="fr-FR" dirty="0" smtClean="0"/>
+              <a:rPr lang="fr-FR" dirty="0"/>
               <a:t>Quatrième niveau</a:t>
             </a:r>
           </a:p>
           <a:p>
             <a:pPr lvl="4"/>
             <a:r>
-              <a:rPr lang="fr-FR" dirty="0" smtClean="0"/>
+              <a:rPr lang="fr-FR" dirty="0"/>
               <a:t>Cinquième niveau</a:t>
             </a:r>
-            <a:endParaRPr lang="fr-FR" dirty="0"/>
           </a:p>
         </p:txBody>
       </p:sp>
@@ -1281,10 +1275,9 @@
           <a:lstStyle/>
           <a:p>
             <a:r>
-              <a:rPr lang="fr-FR" smtClean="0"/>
+              <a:rPr lang="fr-FR"/>
               <a:t>Cliquez pour modifier le style du titre</a:t>
             </a:r>
-            <a:endParaRPr lang="fr-FR"/>
           </a:p>
         </p:txBody>
       </p:sp>
@@ -1338,38 +1331,37 @@
           <a:p>
             <a:pPr lvl="0"/>
             <a:r>
-              <a:rPr lang="fr-FR" smtClean="0"/>
+              <a:rPr lang="fr-FR"/>
               <a:t>Cliquez pour modifier les styles du texte du masque</a:t>
             </a:r>
           </a:p>
           <a:p>
             <a:pPr lvl="1"/>
             <a:r>
-              <a:rPr lang="fr-FR" smtClean="0"/>
+              <a:rPr lang="fr-FR"/>
               <a:t>Deuxième niveau</a:t>
             </a:r>
           </a:p>
           <a:p>
             <a:pPr lvl="2"/>
             <a:r>
-              <a:rPr lang="fr-FR" smtClean="0"/>
+              <a:rPr lang="fr-FR"/>
               <a:t>Troisième niveau</a:t>
             </a:r>
           </a:p>
           <a:p>
             <a:pPr lvl="3"/>
             <a:r>
-              <a:rPr lang="fr-FR" smtClean="0"/>
+              <a:rPr lang="fr-FR"/>
               <a:t>Quatrième niveau</a:t>
             </a:r>
           </a:p>
           <a:p>
             <a:pPr lvl="4"/>
             <a:r>
-              <a:rPr lang="fr-FR" smtClean="0"/>
+              <a:rPr lang="fr-FR"/>
               <a:t>Cinquième niveau</a:t>
             </a:r>
-            <a:endParaRPr lang="fr-FR"/>
           </a:p>
         </p:txBody>
       </p:sp>
@@ -1423,38 +1415,37 @@
           <a:p>
             <a:pPr lvl="0"/>
             <a:r>
-              <a:rPr lang="fr-FR" smtClean="0"/>
+              <a:rPr lang="fr-FR"/>
               <a:t>Cliquez pour modifier les styles du texte du masque</a:t>
             </a:r>
           </a:p>
           <a:p>
             <a:pPr lvl="1"/>
             <a:r>
-              <a:rPr lang="fr-FR" smtClean="0"/>
+              <a:rPr lang="fr-FR"/>
               <a:t>Deuxième niveau</a:t>
             </a:r>
           </a:p>
           <a:p>
             <a:pPr lvl="2"/>
             <a:r>
-              <a:rPr lang="fr-FR" smtClean="0"/>
+              <a:rPr lang="fr-FR"/>
               <a:t>Troisième niveau</a:t>
             </a:r>
           </a:p>
           <a:p>
             <a:pPr lvl="3"/>
             <a:r>
-              <a:rPr lang="fr-FR" smtClean="0"/>
+              <a:rPr lang="fr-FR"/>
               <a:t>Quatrième niveau</a:t>
             </a:r>
           </a:p>
           <a:p>
             <a:pPr lvl="4"/>
             <a:r>
-              <a:rPr lang="fr-FR" smtClean="0"/>
+              <a:rPr lang="fr-FR"/>
               <a:t>Cinquième niveau</a:t>
             </a:r>
-            <a:endParaRPr lang="fr-FR"/>
           </a:p>
         </p:txBody>
       </p:sp>
@@ -1513,10 +1504,9 @@
           </a:lstStyle>
           <a:p>
             <a:r>
-              <a:rPr lang="fr-FR" smtClean="0"/>
+              <a:rPr lang="fr-FR"/>
               <a:t>Cliquez pour modifier le style du titre</a:t>
             </a:r>
-            <a:endParaRPr lang="fr-FR"/>
           </a:p>
         </p:txBody>
       </p:sp>
@@ -1579,7 +1569,7 @@
           <a:p>
             <a:pPr lvl="0"/>
             <a:r>
-              <a:rPr lang="fr-FR" smtClean="0"/>
+              <a:rPr lang="fr-FR"/>
               <a:t>Cliquez pour modifier les styles du texte du masque</a:t>
             </a:r>
           </a:p>
@@ -1635,38 +1625,37 @@
           <a:p>
             <a:pPr lvl="0"/>
             <a:r>
-              <a:rPr lang="fr-FR" smtClean="0"/>
+              <a:rPr lang="fr-FR"/>
               <a:t>Cliquez pour modifier les styles du texte du masque</a:t>
             </a:r>
           </a:p>
           <a:p>
             <a:pPr lvl="1"/>
             <a:r>
-              <a:rPr lang="fr-FR" smtClean="0"/>
+              <a:rPr lang="fr-FR"/>
               <a:t>Deuxième niveau</a:t>
             </a:r>
           </a:p>
           <a:p>
             <a:pPr lvl="2"/>
             <a:r>
-              <a:rPr lang="fr-FR" smtClean="0"/>
+              <a:rPr lang="fr-FR"/>
               <a:t>Troisième niveau</a:t>
             </a:r>
           </a:p>
           <a:p>
             <a:pPr lvl="3"/>
             <a:r>
-              <a:rPr lang="fr-FR" smtClean="0"/>
+              <a:rPr lang="fr-FR"/>
               <a:t>Quatrième niveau</a:t>
             </a:r>
           </a:p>
           <a:p>
             <a:pPr lvl="4"/>
             <a:r>
-              <a:rPr lang="fr-FR" smtClean="0"/>
+              <a:rPr lang="fr-FR"/>
               <a:t>Cinquième niveau</a:t>
             </a:r>
-            <a:endParaRPr lang="fr-FR"/>
           </a:p>
         </p:txBody>
       </p:sp>
@@ -1729,7 +1718,7 @@
           <a:p>
             <a:pPr lvl="0"/>
             <a:r>
-              <a:rPr lang="fr-FR" smtClean="0"/>
+              <a:rPr lang="fr-FR"/>
               <a:t>Cliquez pour modifier les styles du texte du masque</a:t>
             </a:r>
           </a:p>
@@ -1785,38 +1774,37 @@
           <a:p>
             <a:pPr lvl="0"/>
             <a:r>
-              <a:rPr lang="fr-FR" smtClean="0"/>
+              <a:rPr lang="fr-FR"/>
               <a:t>Cliquez pour modifier les styles du texte du masque</a:t>
             </a:r>
           </a:p>
           <a:p>
             <a:pPr lvl="1"/>
             <a:r>
-              <a:rPr lang="fr-FR" smtClean="0"/>
+              <a:rPr lang="fr-FR"/>
               <a:t>Deuxième niveau</a:t>
             </a:r>
           </a:p>
           <a:p>
             <a:pPr lvl="2"/>
             <a:r>
-              <a:rPr lang="fr-FR" smtClean="0"/>
+              <a:rPr lang="fr-FR"/>
               <a:t>Troisième niveau</a:t>
             </a:r>
           </a:p>
           <a:p>
             <a:pPr lvl="3"/>
             <a:r>
-              <a:rPr lang="fr-FR" smtClean="0"/>
+              <a:rPr lang="fr-FR"/>
               <a:t>Quatrième niveau</a:t>
             </a:r>
           </a:p>
           <a:p>
             <a:pPr lvl="4"/>
             <a:r>
-              <a:rPr lang="fr-FR" smtClean="0"/>
+              <a:rPr lang="fr-FR"/>
               <a:t>Cinquième niveau</a:t>
             </a:r>
-            <a:endParaRPr lang="fr-FR"/>
           </a:p>
         </p:txBody>
       </p:sp>
@@ -1866,10 +1854,9 @@
           <a:lstStyle/>
           <a:p>
             <a:r>
-              <a:rPr lang="fr-FR" smtClean="0"/>
+              <a:rPr lang="fr-FR"/>
               <a:t>Cliquez pour modifier le style du titre</a:t>
             </a:r>
-            <a:endParaRPr lang="fr-FR"/>
           </a:p>
         </p:txBody>
       </p:sp>
@@ -1958,10 +1945,9 @@
           </a:lstStyle>
           <a:p>
             <a:r>
-              <a:rPr lang="fr-FR" smtClean="0"/>
+              <a:rPr lang="fr-FR"/>
               <a:t>Cliquez pour modifier le style du titre</a:t>
             </a:r>
-            <a:endParaRPr lang="fr-FR"/>
           </a:p>
         </p:txBody>
       </p:sp>
@@ -2015,38 +2001,37 @@
           <a:p>
             <a:pPr lvl="0"/>
             <a:r>
-              <a:rPr lang="fr-FR" smtClean="0"/>
+              <a:rPr lang="fr-FR"/>
               <a:t>Cliquez pour modifier les styles du texte du masque</a:t>
             </a:r>
           </a:p>
           <a:p>
             <a:pPr lvl="1"/>
             <a:r>
-              <a:rPr lang="fr-FR" smtClean="0"/>
+              <a:rPr lang="fr-FR"/>
               <a:t>Deuxième niveau</a:t>
             </a:r>
           </a:p>
           <a:p>
             <a:pPr lvl="2"/>
             <a:r>
-              <a:rPr lang="fr-FR" smtClean="0"/>
+              <a:rPr lang="fr-FR"/>
               <a:t>Troisième niveau</a:t>
             </a:r>
           </a:p>
           <a:p>
             <a:pPr lvl="3"/>
             <a:r>
-              <a:rPr lang="fr-FR" smtClean="0"/>
+              <a:rPr lang="fr-FR"/>
               <a:t>Quatrième niveau</a:t>
             </a:r>
           </a:p>
           <a:p>
             <a:pPr lvl="4"/>
             <a:r>
-              <a:rPr lang="fr-FR" smtClean="0"/>
+              <a:rPr lang="fr-FR"/>
               <a:t>Cinquième niveau</a:t>
             </a:r>
-            <a:endParaRPr lang="fr-FR"/>
           </a:p>
         </p:txBody>
       </p:sp>
@@ -2109,7 +2094,7 @@
           <a:p>
             <a:pPr lvl="0"/>
             <a:r>
-              <a:rPr lang="fr-FR" smtClean="0"/>
+              <a:rPr lang="fr-FR"/>
               <a:t>Cliquez pour modifier les styles du texte du masque</a:t>
             </a:r>
           </a:p>
@@ -2170,10 +2155,9 @@
           </a:lstStyle>
           <a:p>
             <a:r>
-              <a:rPr lang="fr-FR" smtClean="0"/>
+              <a:rPr lang="fr-FR"/>
               <a:t>Cliquez pour modifier le style du titre</a:t>
             </a:r>
-            <a:endParaRPr lang="fr-FR"/>
           </a:p>
         </p:txBody>
       </p:sp>
@@ -2235,7 +2219,7 @@
           </a:lstStyle>
           <a:p>
             <a:pPr lvl="0"/>
-            <a:endParaRPr lang="fr-FR" noProof="0" smtClean="0"/>
+            <a:endParaRPr lang="fr-FR" noProof="0"/>
           </a:p>
         </p:txBody>
       </p:sp>
@@ -2298,7 +2282,7 @@
           <a:p>
             <a:pPr lvl="0"/>
             <a:r>
-              <a:rPr lang="fr-FR" smtClean="0"/>
+              <a:rPr lang="fr-FR"/>
               <a:t>Cliquez pour modifier les styles du texte du masque</a:t>
             </a:r>
           </a:p>
@@ -2350,10 +2334,9 @@
           <a:lstStyle/>
           <a:p>
             <a:r>
-              <a:rPr lang="fr-FR" smtClean="0"/>
+              <a:rPr lang="fr-FR"/>
               <a:t>Cliquez pour modifier le style du titre</a:t>
             </a:r>
-            <a:endParaRPr lang="fr-FR"/>
           </a:p>
         </p:txBody>
       </p:sp>
@@ -2374,38 +2357,37 @@
           <a:p>
             <a:pPr lvl="0"/>
             <a:r>
-              <a:rPr lang="fr-FR" smtClean="0"/>
+              <a:rPr lang="fr-FR"/>
               <a:t>Cliquez pour modifier les styles du texte du masque</a:t>
             </a:r>
           </a:p>
           <a:p>
             <a:pPr lvl="1"/>
             <a:r>
-              <a:rPr lang="fr-FR" smtClean="0"/>
+              <a:rPr lang="fr-FR"/>
               <a:t>Deuxième niveau</a:t>
             </a:r>
           </a:p>
           <a:p>
             <a:pPr lvl="2"/>
             <a:r>
-              <a:rPr lang="fr-FR" smtClean="0"/>
+              <a:rPr lang="fr-FR"/>
               <a:t>Troisième niveau</a:t>
             </a:r>
           </a:p>
           <a:p>
             <a:pPr lvl="3"/>
             <a:r>
-              <a:rPr lang="fr-FR" smtClean="0"/>
+              <a:rPr lang="fr-FR"/>
               <a:t>Quatrième niveau</a:t>
             </a:r>
           </a:p>
           <a:p>
             <a:pPr lvl="4"/>
             <a:r>
-              <a:rPr lang="fr-FR" smtClean="0"/>
+              <a:rPr lang="fr-FR"/>
               <a:t>Cinquième niveau</a:t>
             </a:r>
-            <a:endParaRPr lang="fr-FR"/>
           </a:p>
         </p:txBody>
       </p:sp>
@@ -2586,7 +2568,7 @@
             <a:pPr eaLnBrk="1" hangingPunct="1">
               <a:defRPr/>
             </a:pPr>
-            <a:endParaRPr lang="fr-FR" altLang="fr-FR" smtClean="0"/>
+            <a:endParaRPr lang="fr-FR" altLang="fr-FR"/>
           </a:p>
         </p:txBody>
       </p:sp>
@@ -2740,7 +2722,7 @@
               <a:defRPr/>
             </a:pPr>
             <a:r>
-              <a:rPr lang="fr-FR" sz="1200" dirty="0" smtClean="0"/>
+              <a:rPr lang="fr-FR" sz="1200" dirty="0"/>
               <a:t>Page </a:t>
             </a:r>
             <a:fld id="{E218E9B1-FD08-4C80-902E-210BA2967D0D}" type="slidenum">
@@ -2753,7 +2735,7 @@
               </a:pPr>
               <a:t>‹N°›</a:t>
             </a:fld>
-            <a:endParaRPr lang="fr-FR" dirty="0" smtClean="0">
+            <a:endParaRPr lang="fr-FR" dirty="0">
               <a:latin typeface="Times New Roman" pitchFamily="18" charset="0"/>
             </a:endParaRPr>
           </a:p>
@@ -2909,10 +2891,10 @@
               <a:defRPr/>
             </a:pPr>
             <a:r>
-              <a:rPr lang="fr-FR" sz="1600" dirty="0" smtClean="0"/>
+              <a:rPr lang="fr-FR" sz="1600" dirty="0"/>
               <a:t>Python</a:t>
             </a:r>
-            <a:endParaRPr lang="fr-FR" dirty="0" smtClean="0">
+            <a:endParaRPr lang="fr-FR" dirty="0">
               <a:latin typeface="Times New Roman" pitchFamily="18" charset="0"/>
             </a:endParaRPr>
           </a:p>
@@ -2970,7 +2952,7 @@
           <a:p>
             <a:pPr lvl="0"/>
             <a:r>
-              <a:rPr lang="fr-FR" altLang="fr-FR" smtClean="0"/>
+              <a:rPr lang="fr-FR" altLang="fr-FR"/>
               <a:t>Cliquez pour modifier le style du titre du masque</a:t>
             </a:r>
           </a:p>
@@ -3028,35 +3010,35 @@
           <a:p>
             <a:pPr lvl="0"/>
             <a:r>
-              <a:rPr lang="fr-FR" altLang="fr-FR" smtClean="0"/>
+              <a:rPr lang="fr-FR" altLang="fr-FR"/>
               <a:t>Cliquez pour modifier les styles du texte du masque</a:t>
             </a:r>
           </a:p>
           <a:p>
             <a:pPr lvl="1"/>
             <a:r>
-              <a:rPr lang="fr-FR" altLang="fr-FR" smtClean="0"/>
+              <a:rPr lang="fr-FR" altLang="fr-FR"/>
               <a:t>Deuxième niveau</a:t>
             </a:r>
           </a:p>
           <a:p>
             <a:pPr lvl="2"/>
             <a:r>
-              <a:rPr lang="fr-FR" altLang="fr-FR" smtClean="0"/>
+              <a:rPr lang="fr-FR" altLang="fr-FR"/>
               <a:t>Troisième niveau</a:t>
             </a:r>
           </a:p>
           <a:p>
             <a:pPr lvl="3"/>
             <a:r>
-              <a:rPr lang="fr-FR" altLang="fr-FR" smtClean="0"/>
+              <a:rPr lang="fr-FR" altLang="fr-FR"/>
               <a:t>Quatrième niveau</a:t>
             </a:r>
           </a:p>
           <a:p>
             <a:pPr lvl="4"/>
             <a:r>
-              <a:rPr lang="fr-FR" altLang="fr-FR" smtClean="0"/>
+              <a:rPr lang="fr-FR" altLang="fr-FR"/>
               <a:t>Cinquième niveau</a:t>
             </a:r>
           </a:p>
@@ -3212,10 +3194,10 @@
               <a:defRPr/>
             </a:pPr>
             <a:r>
-              <a:rPr lang="fr-FR" sz="1200" smtClean="0"/>
+              <a:rPr lang="fr-FR" sz="1200"/>
               <a:t>© Cyril Vincent Conseil</a:t>
             </a:r>
-            <a:endParaRPr lang="fr-FR" smtClean="0">
+            <a:endParaRPr lang="fr-FR">
               <a:latin typeface="Times New Roman" pitchFamily="18" charset="0"/>
             </a:endParaRPr>
           </a:p>
@@ -3697,19 +3679,18 @@
           <a:p>
             <a:pPr eaLnBrk="1" hangingPunct="1"/>
             <a:r>
-              <a:rPr lang="fr-FR" altLang="fr-FR" smtClean="0"/>
+              <a:rPr lang="fr-FR" altLang="fr-FR"/>
               <a:t>Chapitre </a:t>
             </a:r>
             <a:r>
               <a:rPr lang="fr-FR" altLang="fr-FR" dirty="0"/>
               <a:t>9</a:t>
             </a:r>
-            <a:endParaRPr lang="fr-FR" altLang="fr-FR" dirty="0" smtClean="0"/>
           </a:p>
           <a:p>
             <a:pPr eaLnBrk="1" hangingPunct="1"/>
             <a:r>
-              <a:rPr lang="fr-FR" altLang="fr-FR" dirty="0" smtClean="0"/>
+              <a:rPr lang="fr-FR" altLang="fr-FR" dirty="0"/>
               <a:t>Statistiques</a:t>
             </a:r>
           </a:p>
@@ -3781,13 +3762,6 @@
   <p:clrMapOvr>
     <a:masterClrMapping/>
   </p:clrMapOvr>
-  <p:timing>
-    <p:tnLst>
-      <p:par>
-        <p:cTn id="1" dur="indefinite" restart="never" nodeType="tmRoot"/>
-      </p:par>
-    </p:tnLst>
-  </p:timing>
 </p:sld>
 </file>
 
@@ -3824,10 +3798,9 @@
           <a:lstStyle/>
           <a:p>
             <a:r>
-              <a:rPr lang="fr-FR" dirty="0" smtClean="0"/>
+              <a:rPr lang="fr-FR" dirty="0"/>
               <a:t>Cas non gaussiens</a:t>
             </a:r>
-            <a:endParaRPr lang="fr-FR" dirty="0"/>
           </a:p>
         </p:txBody>
       </p:sp>
@@ -3847,68 +3820,71 @@
           <a:lstStyle/>
           <a:p>
             <a:r>
-              <a:rPr lang="fr-FR" dirty="0" err="1" smtClean="0"/>
+              <a:rPr lang="fr-FR" dirty="0" err="1"/>
               <a:t>Median</a:t>
             </a:r>
-            <a:endParaRPr lang="fr-FR" dirty="0" smtClean="0"/>
+            <a:endParaRPr lang="fr-FR" dirty="0"/>
           </a:p>
           <a:p>
             <a:pPr lvl="1"/>
             <a:r>
-              <a:rPr lang="fr-FR" dirty="0" smtClean="0"/>
+              <a:rPr lang="fr-FR" dirty="0"/>
               <a:t>Médiane</a:t>
             </a:r>
           </a:p>
           <a:p>
             <a:pPr lvl="1"/>
             <a:r>
-              <a:rPr lang="fr-FR" dirty="0" smtClean="0"/>
-              <a:t>50% des valeurs au dessous et 50% au dessous</a:t>
-            </a:r>
-          </a:p>
-          <a:p>
-            <a:r>
-              <a:rPr lang="fr-FR" dirty="0" smtClean="0"/>
+              <a:rPr lang="fr-FR" dirty="0"/>
+              <a:t>50% des valeurs au dessous et 50% </a:t>
+            </a:r>
+            <a:r>
+              <a:rPr lang="fr-FR"/>
+              <a:t>au dessus</a:t>
+            </a:r>
+            <a:endParaRPr lang="fr-FR" dirty="0"/>
+          </a:p>
+          <a:p>
+            <a:r>
+              <a:rPr lang="fr-FR" dirty="0"/>
               <a:t>Quantile</a:t>
             </a:r>
-            <a:endParaRPr lang="fr-FR" dirty="0" smtClean="0"/>
           </a:p>
           <a:p>
             <a:pPr lvl="1"/>
             <a:r>
-              <a:rPr lang="fr-FR" dirty="0" smtClean="0"/>
+              <a:rPr lang="fr-FR" dirty="0"/>
               <a:t>Le 2</a:t>
             </a:r>
             <a:r>
-              <a:rPr lang="fr-FR" baseline="30000" dirty="0" smtClean="0"/>
+              <a:rPr lang="fr-FR" baseline="30000" dirty="0"/>
               <a:t>ème</a:t>
             </a:r>
             <a:r>
-              <a:rPr lang="fr-FR" dirty="0" smtClean="0"/>
+              <a:rPr lang="fr-FR" dirty="0"/>
               <a:t> paramètre représente le quantile</a:t>
             </a:r>
           </a:p>
           <a:p>
             <a:pPr lvl="1"/>
             <a:r>
-              <a:rPr lang="fr-FR" dirty="0" smtClean="0"/>
+              <a:rPr lang="fr-FR" dirty="0"/>
               <a:t>0.5 = médiane</a:t>
             </a:r>
           </a:p>
           <a:p>
             <a:pPr lvl="1"/>
             <a:r>
-              <a:rPr lang="fr-FR" dirty="0" smtClean="0"/>
+              <a:rPr lang="fr-FR" dirty="0"/>
               <a:t>0.25 = quartile</a:t>
             </a:r>
           </a:p>
           <a:p>
             <a:pPr lvl="1"/>
             <a:r>
-              <a:rPr lang="fr-FR" dirty="0" smtClean="0"/>
+              <a:rPr lang="fr-FR" dirty="0"/>
               <a:t>0.1 = décile</a:t>
             </a:r>
-            <a:endParaRPr lang="fr-FR" dirty="0"/>
           </a:p>
         </p:txBody>
       </p:sp>
@@ -3963,13 +3939,6 @@
   <p:clrMapOvr>
     <a:masterClrMapping/>
   </p:clrMapOvr>
-  <p:timing>
-    <p:tnLst>
-      <p:par>
-        <p:cTn id="1" dur="indefinite" restart="never" nodeType="tmRoot"/>
-      </p:par>
-    </p:tnLst>
-  </p:timing>
 </p:sld>
 </file>
 
@@ -4006,10 +3975,9 @@
           <a:lstStyle/>
           <a:p>
             <a:r>
-              <a:rPr lang="fr-FR" dirty="0" smtClean="0"/>
+              <a:rPr lang="fr-FR" dirty="0"/>
               <a:t>Ecart type</a:t>
             </a:r>
-            <a:endParaRPr lang="fr-FR" dirty="0"/>
           </a:p>
         </p:txBody>
       </p:sp>
@@ -4029,37 +3997,36 @@
           <a:lstStyle/>
           <a:p>
             <a:r>
-              <a:rPr lang="fr-FR" dirty="0" smtClean="0"/>
+              <a:rPr lang="fr-FR" dirty="0"/>
               <a:t>Mesure la dispersion des variables</a:t>
             </a:r>
           </a:p>
           <a:p>
             <a:pPr lvl="1"/>
             <a:r>
-              <a:rPr lang="fr-FR" dirty="0" smtClean="0"/>
+              <a:rPr lang="fr-FR" dirty="0"/>
               <a:t>Racine carrée de la variance</a:t>
             </a:r>
           </a:p>
           <a:p>
             <a:pPr lvl="1"/>
             <a:r>
-              <a:rPr lang="fr-FR" dirty="0" smtClean="0"/>
+              <a:rPr lang="fr-FR" dirty="0"/>
               <a:t>Moyenne est écarts par rapport à une moyenne</a:t>
             </a:r>
           </a:p>
           <a:p>
             <a:pPr lvl="1"/>
             <a:r>
-              <a:rPr lang="fr-FR" dirty="0" smtClean="0"/>
+              <a:rPr lang="fr-FR" dirty="0"/>
               <a:t>Souvent noté sigma</a:t>
             </a:r>
           </a:p>
           <a:p>
             <a:r>
-              <a:rPr lang="fr-FR" dirty="0" smtClean="0"/>
+              <a:rPr lang="fr-FR" dirty="0"/>
               <a:t>Voici 2 échantillons avec la même moyenne mais des écarts types différents</a:t>
             </a:r>
-            <a:endParaRPr lang="fr-FR" dirty="0"/>
           </a:p>
         </p:txBody>
       </p:sp>
@@ -4114,13 +4081,6 @@
   <p:clrMapOvr>
     <a:masterClrMapping/>
   </p:clrMapOvr>
-  <p:timing>
-    <p:tnLst>
-      <p:par>
-        <p:cTn id="1" dur="indefinite" restart="never" nodeType="tmRoot"/>
-      </p:par>
-    </p:tnLst>
-  </p:timing>
 </p:sld>
 </file>
 
@@ -4157,10 +4117,9 @@
           <a:lstStyle/>
           <a:p>
             <a:r>
-              <a:rPr lang="fr-FR" dirty="0" smtClean="0"/>
+              <a:rPr lang="fr-FR" dirty="0"/>
               <a:t>Loi normale</a:t>
             </a:r>
-            <a:endParaRPr lang="fr-FR" dirty="0"/>
           </a:p>
         </p:txBody>
       </p:sp>
@@ -4181,34 +4140,14 @@
           <a:p>
             <a:r>
               <a:rPr lang="fr-FR" dirty="0"/>
-              <a:t>I</a:t>
-            </a:r>
-            <a:r>
-              <a:rPr lang="fr-FR" dirty="0" smtClean="0"/>
-              <a:t>l </a:t>
-            </a:r>
+              <a:t>Il est fréquent de considérer que les valeurs se répartissent selon une courbe de Gauss</a:t>
+            </a:r>
+          </a:p>
+          <a:p>
+            <a:pPr lvl="1"/>
             <a:r>
               <a:rPr lang="fr-FR" dirty="0"/>
-              <a:t>est fréquent de considérer que les valeurs se répartissent selon une courbe de </a:t>
-            </a:r>
-            <a:r>
-              <a:rPr lang="fr-FR" dirty="0" smtClean="0"/>
-              <a:t>Gauss</a:t>
-            </a:r>
-          </a:p>
-          <a:p>
-            <a:pPr lvl="1"/>
-            <a:r>
-              <a:rPr lang="fr-FR" dirty="0" smtClean="0"/>
-              <a:t>Dans </a:t>
-            </a:r>
-            <a:r>
-              <a:rPr lang="fr-FR" dirty="0"/>
-              <a:t>le cas des sciences sociales, par exemple, la moyenne et l'écart type permettent de déterminer un intervalle dans lequel on trouve une majorité de la </a:t>
-            </a:r>
-            <a:r>
-              <a:rPr lang="fr-FR" dirty="0" smtClean="0"/>
-              <a:t>population</a:t>
+              <a:t>Dans le cas des sciences sociales, par exemple, la moyenne et l'écart type permettent de déterminer un intervalle dans lequel on trouve une majorité de la population</a:t>
             </a:r>
           </a:p>
           <a:p>
@@ -4268,13 +4207,6 @@
   <p:clrMapOvr>
     <a:masterClrMapping/>
   </p:clrMapOvr>
-  <p:timing>
-    <p:tnLst>
-      <p:par>
-        <p:cTn id="1" dur="indefinite" restart="never" nodeType="tmRoot"/>
-      </p:par>
-    </p:tnLst>
-  </p:timing>
 </p:sld>
 </file>
 
@@ -4311,10 +4243,9 @@
           <a:lstStyle/>
           <a:p>
             <a:r>
-              <a:rPr lang="fr-FR" dirty="0" smtClean="0"/>
+              <a:rPr lang="fr-FR" dirty="0"/>
               <a:t>Loi normal</a:t>
             </a:r>
-            <a:endParaRPr lang="fr-FR" dirty="0"/>
           </a:p>
         </p:txBody>
       </p:sp>
@@ -4352,13 +4283,6 @@
   <p:clrMapOvr>
     <a:masterClrMapping/>
   </p:clrMapOvr>
-  <p:timing>
-    <p:tnLst>
-      <p:par>
-        <p:cTn id="1" dur="indefinite" restart="never" nodeType="tmRoot"/>
-      </p:par>
-    </p:tnLst>
-  </p:timing>
 </p:sld>
 </file>
 
@@ -4395,10 +4319,9 @@
           <a:lstStyle/>
           <a:p>
             <a:r>
-              <a:rPr lang="fr-FR" dirty="0" smtClean="0"/>
+              <a:rPr lang="fr-FR" dirty="0"/>
               <a:t>Loi normal</a:t>
             </a:r>
-            <a:endParaRPr lang="fr-FR" dirty="0"/>
           </a:p>
         </p:txBody>
       </p:sp>
@@ -4473,7 +4396,7 @@
               <a:tabLst/>
             </a:pPr>
             <a:r>
-              <a:rPr kumimoji="0" lang="fr-FR" altLang="fr-FR" sz="1200" b="0" i="0" u="none" strike="noStrike" cap="none" normalizeH="0" baseline="0" dirty="0" smtClean="0">
+              <a:rPr kumimoji="0" lang="fr-FR" altLang="fr-FR" sz="1200" b="0" i="0" u="none" strike="noStrike" cap="none" normalizeH="0" baseline="0" dirty="0">
                 <a:ln>
                   <a:noFill/>
                 </a:ln>
@@ -4486,7 +4409,7 @@
               <a:t>x = </a:t>
             </a:r>
             <a:r>
-              <a:rPr kumimoji="0" lang="fr-FR" altLang="fr-FR" sz="1200" b="0" i="0" u="none" strike="noStrike" cap="none" normalizeH="0" baseline="0" dirty="0" err="1" smtClean="0">
+              <a:rPr kumimoji="0" lang="fr-FR" altLang="fr-FR" sz="1200" b="0" i="0" u="none" strike="noStrike" cap="none" normalizeH="0" baseline="0" dirty="0" err="1">
                 <a:ln>
                   <a:noFill/>
                 </a:ln>
@@ -4499,7 +4422,7 @@
               <a:t>np.arange</a:t>
             </a:r>
             <a:r>
-              <a:rPr kumimoji="0" lang="fr-FR" altLang="fr-FR" sz="1200" b="0" i="0" u="none" strike="noStrike" cap="none" normalizeH="0" baseline="0" dirty="0" smtClean="0">
+              <a:rPr kumimoji="0" lang="fr-FR" altLang="fr-FR" sz="1200" b="0" i="0" u="none" strike="noStrike" cap="none" normalizeH="0" baseline="0" dirty="0">
                 <a:ln>
                   <a:noFill/>
                 </a:ln>
@@ -4512,7 +4435,7 @@
               <a:t>(-</a:t>
             </a:r>
             <a:r>
-              <a:rPr kumimoji="0" lang="fr-FR" altLang="fr-FR" sz="1200" b="0" i="0" u="none" strike="noStrike" cap="none" normalizeH="0" baseline="0" dirty="0" smtClean="0">
+              <a:rPr kumimoji="0" lang="fr-FR" altLang="fr-FR" sz="1200" b="0" i="0" u="none" strike="noStrike" cap="none" normalizeH="0" baseline="0" dirty="0">
                 <a:ln>
                   <a:noFill/>
                 </a:ln>
@@ -4525,7 +4448,7 @@
               <a:t>100</a:t>
             </a:r>
             <a:r>
-              <a:rPr kumimoji="0" lang="fr-FR" altLang="fr-FR" sz="1200" b="0" i="0" u="none" strike="noStrike" cap="none" normalizeH="0" baseline="0" dirty="0" smtClean="0">
+              <a:rPr kumimoji="0" lang="fr-FR" altLang="fr-FR" sz="1200" b="0" i="0" u="none" strike="noStrike" cap="none" normalizeH="0" baseline="0" dirty="0">
                 <a:ln>
                   <a:noFill/>
                 </a:ln>
@@ -4538,7 +4461,7 @@
               <a:t>, </a:t>
             </a:r>
             <a:r>
-              <a:rPr kumimoji="0" lang="fr-FR" altLang="fr-FR" sz="1200" b="0" i="0" u="none" strike="noStrike" cap="none" normalizeH="0" baseline="0" dirty="0" smtClean="0">
+              <a:rPr kumimoji="0" lang="fr-FR" altLang="fr-FR" sz="1200" b="0" i="0" u="none" strike="noStrike" cap="none" normalizeH="0" baseline="0" dirty="0">
                 <a:ln>
                   <a:noFill/>
                 </a:ln>
@@ -4551,7 +4474,7 @@
               <a:t>100</a:t>
             </a:r>
             <a:r>
-              <a:rPr kumimoji="0" lang="fr-FR" altLang="fr-FR" sz="1200" b="0" i="0" u="none" strike="noStrike" cap="none" normalizeH="0" baseline="0" dirty="0" smtClean="0">
+              <a:rPr kumimoji="0" lang="fr-FR" altLang="fr-FR" sz="1200" b="0" i="0" u="none" strike="noStrike" cap="none" normalizeH="0" baseline="0" dirty="0">
                 <a:ln>
                   <a:noFill/>
                 </a:ln>
@@ -4564,7 +4487,7 @@
               <a:t>)</a:t>
             </a:r>
             <a:br>
-              <a:rPr kumimoji="0" lang="fr-FR" altLang="fr-FR" sz="1200" b="0" i="0" u="none" strike="noStrike" cap="none" normalizeH="0" baseline="0" dirty="0" smtClean="0">
+              <a:rPr kumimoji="0" lang="fr-FR" altLang="fr-FR" sz="1200" b="0" i="0" u="none" strike="noStrike" cap="none" normalizeH="0" baseline="0" dirty="0">
                 <a:ln>
                   <a:noFill/>
                 </a:ln>
@@ -4576,7 +4499,7 @@
               </a:rPr>
             </a:br>
             <a:r>
-              <a:rPr kumimoji="0" lang="fr-FR" altLang="fr-FR" sz="1200" b="0" i="0" u="none" strike="noStrike" cap="none" normalizeH="0" baseline="0" dirty="0" smtClean="0">
+              <a:rPr kumimoji="0" lang="fr-FR" altLang="fr-FR" sz="1200" b="0" i="0" u="none" strike="noStrike" cap="none" normalizeH="0" baseline="0" dirty="0">
                 <a:ln>
                   <a:noFill/>
                 </a:ln>
@@ -4589,7 +4512,7 @@
               <a:t>mu = </a:t>
             </a:r>
             <a:r>
-              <a:rPr kumimoji="0" lang="fr-FR" altLang="fr-FR" sz="1200" b="0" i="0" u="none" strike="noStrike" cap="none" normalizeH="0" baseline="0" dirty="0" smtClean="0">
+              <a:rPr kumimoji="0" lang="fr-FR" altLang="fr-FR" sz="1200" b="0" i="0" u="none" strike="noStrike" cap="none" normalizeH="0" baseline="0" dirty="0">
                 <a:ln>
                   <a:noFill/>
                 </a:ln>
@@ -4602,7 +4525,7 @@
               <a:t>0</a:t>
             </a:r>
             <a:br>
-              <a:rPr kumimoji="0" lang="fr-FR" altLang="fr-FR" sz="1200" b="0" i="0" u="none" strike="noStrike" cap="none" normalizeH="0" baseline="0" dirty="0" smtClean="0">
+              <a:rPr kumimoji="0" lang="fr-FR" altLang="fr-FR" sz="1200" b="0" i="0" u="none" strike="noStrike" cap="none" normalizeH="0" baseline="0" dirty="0">
                 <a:ln>
                   <a:noFill/>
                 </a:ln>
@@ -4614,7 +4537,7 @@
               </a:rPr>
             </a:br>
             <a:r>
-              <a:rPr kumimoji="0" lang="fr-FR" altLang="fr-FR" sz="1200" b="0" i="0" u="none" strike="noStrike" cap="none" normalizeH="0" baseline="0" dirty="0" smtClean="0">
+              <a:rPr kumimoji="0" lang="fr-FR" altLang="fr-FR" sz="1200" b="0" i="0" u="none" strike="noStrike" cap="none" normalizeH="0" baseline="0" dirty="0">
                 <a:ln>
                   <a:noFill/>
                 </a:ln>
@@ -4627,7 +4550,7 @@
               <a:t>sigma = </a:t>
             </a:r>
             <a:r>
-              <a:rPr kumimoji="0" lang="fr-FR" altLang="fr-FR" sz="1200" b="0" i="0" u="none" strike="noStrike" cap="none" normalizeH="0" baseline="0" dirty="0" smtClean="0">
+              <a:rPr kumimoji="0" lang="fr-FR" altLang="fr-FR" sz="1200" b="0" i="0" u="none" strike="noStrike" cap="none" normalizeH="0" baseline="0" dirty="0">
                 <a:ln>
                   <a:noFill/>
                 </a:ln>
@@ -4640,7 +4563,7 @@
               <a:t>20</a:t>
             </a:r>
             <a:br>
-              <a:rPr kumimoji="0" lang="fr-FR" altLang="fr-FR" sz="1200" b="0" i="0" u="none" strike="noStrike" cap="none" normalizeH="0" baseline="0" dirty="0" smtClean="0">
+              <a:rPr kumimoji="0" lang="fr-FR" altLang="fr-FR" sz="1200" b="0" i="0" u="none" strike="noStrike" cap="none" normalizeH="0" baseline="0" dirty="0">
                 <a:ln>
                   <a:noFill/>
                 </a:ln>
@@ -4651,21 +4574,8 @@
                 <a:latin typeface="Consolas" panose="020B0609020204030204" pitchFamily="49" charset="0"/>
               </a:rPr>
             </a:br>
-            <a:r>
-              <a:rPr kumimoji="0" lang="fr-FR" altLang="fr-FR" sz="1200" b="0" i="0" u="none" strike="noStrike" cap="none" normalizeH="0" baseline="0" dirty="0" smtClean="0">
-                <a:ln>
-                  <a:noFill/>
-                </a:ln>
-                <a:solidFill>
-                  <a:srgbClr val="0000FF"/>
-                </a:solidFill>
-                <a:effectLst/>
-                <a:latin typeface="Consolas" panose="020B0609020204030204" pitchFamily="49" charset="0"/>
-              </a:rPr>
-              <a:t/>
-            </a:r>
             <a:br>
-              <a:rPr kumimoji="0" lang="fr-FR" altLang="fr-FR" sz="1200" b="0" i="0" u="none" strike="noStrike" cap="none" normalizeH="0" baseline="0" dirty="0" smtClean="0">
+              <a:rPr kumimoji="0" lang="fr-FR" altLang="fr-FR" sz="1200" b="0" i="0" u="none" strike="noStrike" cap="none" normalizeH="0" baseline="0" dirty="0">
                 <a:ln>
                   <a:noFill/>
                 </a:ln>
@@ -4677,7 +4587,7 @@
               </a:rPr>
             </a:br>
             <a:r>
-              <a:rPr kumimoji="0" lang="fr-FR" altLang="fr-FR" sz="1200" b="0" i="0" u="none" strike="noStrike" cap="none" normalizeH="0" baseline="0" dirty="0" smtClean="0">
+              <a:rPr kumimoji="0" lang="fr-FR" altLang="fr-FR" sz="1200" b="0" i="0" u="none" strike="noStrike" cap="none" normalizeH="0" baseline="0" dirty="0">
                 <a:ln>
                   <a:noFill/>
                 </a:ln>
@@ -4690,7 +4600,7 @@
               <a:t>f = </a:t>
             </a:r>
             <a:r>
-              <a:rPr kumimoji="0" lang="fr-FR" altLang="fr-FR" sz="1200" b="1" i="0" u="none" strike="noStrike" cap="none" normalizeH="0" baseline="0" dirty="0" smtClean="0">
+              <a:rPr kumimoji="0" lang="fr-FR" altLang="fr-FR" sz="1200" b="1" i="0" u="none" strike="noStrike" cap="none" normalizeH="0" baseline="0" dirty="0">
                 <a:ln>
                   <a:noFill/>
                 </a:ln>
@@ -4703,7 +4613,7 @@
               <a:t>lambda </a:t>
             </a:r>
             <a:r>
-              <a:rPr kumimoji="0" lang="fr-FR" altLang="fr-FR" sz="1200" b="0" i="0" u="none" strike="noStrike" cap="none" normalizeH="0" baseline="0" dirty="0" smtClean="0">
+              <a:rPr kumimoji="0" lang="fr-FR" altLang="fr-FR" sz="1200" b="0" i="0" u="none" strike="noStrike" cap="none" normalizeH="0" baseline="0" dirty="0">
                 <a:ln>
                   <a:noFill/>
                 </a:ln>
@@ -4716,7 +4626,7 @@
               <a:t>x : </a:t>
             </a:r>
             <a:r>
-              <a:rPr kumimoji="0" lang="fr-FR" altLang="fr-FR" sz="1200" b="0" i="0" u="none" strike="noStrike" cap="none" normalizeH="0" baseline="0" dirty="0" smtClean="0">
+              <a:rPr kumimoji="0" lang="fr-FR" altLang="fr-FR" sz="1200" b="0" i="0" u="none" strike="noStrike" cap="none" normalizeH="0" baseline="0" dirty="0">
                 <a:ln>
                   <a:noFill/>
                 </a:ln>
@@ -4729,7 +4639,7 @@
               <a:t>1</a:t>
             </a:r>
             <a:r>
-              <a:rPr kumimoji="0" lang="fr-FR" altLang="fr-FR" sz="1200" b="0" i="0" u="none" strike="noStrike" cap="none" normalizeH="0" baseline="0" dirty="0" smtClean="0">
+              <a:rPr kumimoji="0" lang="fr-FR" altLang="fr-FR" sz="1200" b="0" i="0" u="none" strike="noStrike" cap="none" normalizeH="0" baseline="0" dirty="0">
                 <a:ln>
                   <a:noFill/>
                 </a:ln>
@@ -4742,7 +4652,7 @@
               <a:t>/(</a:t>
             </a:r>
             <a:r>
-              <a:rPr kumimoji="0" lang="fr-FR" altLang="fr-FR" sz="1200" b="0" i="0" u="none" strike="noStrike" cap="none" normalizeH="0" baseline="0" dirty="0" err="1" smtClean="0">
+              <a:rPr kumimoji="0" lang="fr-FR" altLang="fr-FR" sz="1200" b="0" i="0" u="none" strike="noStrike" cap="none" normalizeH="0" baseline="0" dirty="0" err="1">
                 <a:ln>
                   <a:noFill/>
                 </a:ln>
@@ -4755,7 +4665,7 @@
               <a:t>np.sqrt</a:t>
             </a:r>
             <a:r>
-              <a:rPr kumimoji="0" lang="fr-FR" altLang="fr-FR" sz="1200" b="0" i="0" u="none" strike="noStrike" cap="none" normalizeH="0" baseline="0" dirty="0" smtClean="0">
+              <a:rPr kumimoji="0" lang="fr-FR" altLang="fr-FR" sz="1200" b="0" i="0" u="none" strike="noStrike" cap="none" normalizeH="0" baseline="0" dirty="0">
                 <a:ln>
                   <a:noFill/>
                 </a:ln>
@@ -4768,7 +4678,7 @@
               <a:t>(</a:t>
             </a:r>
             <a:r>
-              <a:rPr kumimoji="0" lang="fr-FR" altLang="fr-FR" sz="1200" b="0" i="0" u="none" strike="noStrike" cap="none" normalizeH="0" baseline="0" dirty="0" smtClean="0">
+              <a:rPr kumimoji="0" lang="fr-FR" altLang="fr-FR" sz="1200" b="0" i="0" u="none" strike="noStrike" cap="none" normalizeH="0" baseline="0" dirty="0">
                 <a:ln>
                   <a:noFill/>
                 </a:ln>
@@ -4781,7 +4691,7 @@
               <a:t>2</a:t>
             </a:r>
             <a:r>
-              <a:rPr kumimoji="0" lang="fr-FR" altLang="fr-FR" sz="1200" b="0" i="0" u="none" strike="noStrike" cap="none" normalizeH="0" baseline="0" dirty="0" smtClean="0">
+              <a:rPr kumimoji="0" lang="fr-FR" altLang="fr-FR" sz="1200" b="0" i="0" u="none" strike="noStrike" cap="none" normalizeH="0" baseline="0" dirty="0">
                 <a:ln>
                   <a:noFill/>
                 </a:ln>
@@ -4794,7 +4704,7 @@
               <a:t>*</a:t>
             </a:r>
             <a:r>
-              <a:rPr kumimoji="0" lang="fr-FR" altLang="fr-FR" sz="1200" b="0" i="0" u="none" strike="noStrike" cap="none" normalizeH="0" baseline="0" dirty="0" err="1" smtClean="0">
+              <a:rPr kumimoji="0" lang="fr-FR" altLang="fr-FR" sz="1200" b="0" i="0" u="none" strike="noStrike" cap="none" normalizeH="0" baseline="0" dirty="0" err="1">
                 <a:ln>
                   <a:noFill/>
                 </a:ln>
@@ -4807,7 +4717,7 @@
               <a:t>np.pi</a:t>
             </a:r>
             <a:r>
-              <a:rPr kumimoji="0" lang="fr-FR" altLang="fr-FR" sz="1200" b="0" i="0" u="none" strike="noStrike" cap="none" normalizeH="0" baseline="0" dirty="0" smtClean="0">
+              <a:rPr kumimoji="0" lang="fr-FR" altLang="fr-FR" sz="1200" b="0" i="0" u="none" strike="noStrike" cap="none" normalizeH="0" baseline="0" dirty="0">
                 <a:ln>
                   <a:noFill/>
                 </a:ln>
@@ -4820,7 +4730,7 @@
               <a:t>*</a:t>
             </a:r>
             <a:r>
-              <a:rPr kumimoji="0" lang="fr-FR" altLang="fr-FR" sz="1200" b="0" i="0" u="none" strike="noStrike" cap="none" normalizeH="0" baseline="0" dirty="0" err="1" smtClean="0">
+              <a:rPr kumimoji="0" lang="fr-FR" altLang="fr-FR" sz="1200" b="0" i="0" u="none" strike="noStrike" cap="none" normalizeH="0" baseline="0" dirty="0" err="1">
                 <a:ln>
                   <a:noFill/>
                 </a:ln>
@@ -4833,7 +4743,7 @@
               <a:t>np.power</a:t>
             </a:r>
             <a:r>
-              <a:rPr kumimoji="0" lang="fr-FR" altLang="fr-FR" sz="1200" b="0" i="0" u="none" strike="noStrike" cap="none" normalizeH="0" baseline="0" dirty="0" smtClean="0">
+              <a:rPr kumimoji="0" lang="fr-FR" altLang="fr-FR" sz="1200" b="0" i="0" u="none" strike="noStrike" cap="none" normalizeH="0" baseline="0" dirty="0">
                 <a:ln>
                   <a:noFill/>
                 </a:ln>
@@ -4846,7 +4756,7 @@
               <a:t>(sigma,</a:t>
             </a:r>
             <a:r>
-              <a:rPr kumimoji="0" lang="fr-FR" altLang="fr-FR" sz="1200" b="0" i="0" u="none" strike="noStrike" cap="none" normalizeH="0" baseline="0" dirty="0" smtClean="0">
+              <a:rPr kumimoji="0" lang="fr-FR" altLang="fr-FR" sz="1200" b="0" i="0" u="none" strike="noStrike" cap="none" normalizeH="0" baseline="0" dirty="0">
                 <a:ln>
                   <a:noFill/>
                 </a:ln>
@@ -4859,7 +4769,7 @@
               <a:t>2</a:t>
             </a:r>
             <a:r>
-              <a:rPr kumimoji="0" lang="fr-FR" altLang="fr-FR" sz="1200" b="0" i="0" u="none" strike="noStrike" cap="none" normalizeH="0" baseline="0" dirty="0" smtClean="0">
+              <a:rPr kumimoji="0" lang="fr-FR" altLang="fr-FR" sz="1200" b="0" i="0" u="none" strike="noStrike" cap="none" normalizeH="0" baseline="0" dirty="0">
                 <a:ln>
                   <a:noFill/>
                 </a:ln>
@@ -4872,7 +4782,7 @@
               <a:t>))) * </a:t>
             </a:r>
             <a:r>
-              <a:rPr kumimoji="0" lang="fr-FR" altLang="fr-FR" sz="1200" b="0" i="0" u="none" strike="noStrike" cap="none" normalizeH="0" baseline="0" dirty="0" err="1" smtClean="0">
+              <a:rPr kumimoji="0" lang="fr-FR" altLang="fr-FR" sz="1200" b="0" i="0" u="none" strike="noStrike" cap="none" normalizeH="0" baseline="0" dirty="0" err="1">
                 <a:ln>
                   <a:noFill/>
                 </a:ln>
@@ -4885,7 +4795,7 @@
               <a:t>np.exp</a:t>
             </a:r>
             <a:r>
-              <a:rPr kumimoji="0" lang="fr-FR" altLang="fr-FR" sz="1200" b="0" i="0" u="none" strike="noStrike" cap="none" normalizeH="0" baseline="0" dirty="0" smtClean="0">
+              <a:rPr kumimoji="0" lang="fr-FR" altLang="fr-FR" sz="1200" b="0" i="0" u="none" strike="noStrike" cap="none" normalizeH="0" baseline="0" dirty="0">
                 <a:ln>
                   <a:noFill/>
                 </a:ln>
@@ -4898,7 +4808,7 @@
               <a:t>(-</a:t>
             </a:r>
             <a:r>
-              <a:rPr kumimoji="0" lang="fr-FR" altLang="fr-FR" sz="1200" b="0" i="0" u="none" strike="noStrike" cap="none" normalizeH="0" baseline="0" dirty="0" err="1" smtClean="0">
+              <a:rPr kumimoji="0" lang="fr-FR" altLang="fr-FR" sz="1200" b="0" i="0" u="none" strike="noStrike" cap="none" normalizeH="0" baseline="0" dirty="0" err="1">
                 <a:ln>
                   <a:noFill/>
                 </a:ln>
@@ -4911,7 +4821,7 @@
               <a:t>np.power</a:t>
             </a:r>
             <a:r>
-              <a:rPr kumimoji="0" lang="fr-FR" altLang="fr-FR" sz="1200" b="0" i="0" u="none" strike="noStrike" cap="none" normalizeH="0" baseline="0" dirty="0" smtClean="0">
+              <a:rPr kumimoji="0" lang="fr-FR" altLang="fr-FR" sz="1200" b="0" i="0" u="none" strike="noStrike" cap="none" normalizeH="0" baseline="0" dirty="0">
                 <a:ln>
                   <a:noFill/>
                 </a:ln>
@@ -4924,7 +4834,7 @@
               <a:t>((x-mu),</a:t>
             </a:r>
             <a:r>
-              <a:rPr kumimoji="0" lang="fr-FR" altLang="fr-FR" sz="1200" b="0" i="0" u="none" strike="noStrike" cap="none" normalizeH="0" baseline="0" dirty="0" smtClean="0">
+              <a:rPr kumimoji="0" lang="fr-FR" altLang="fr-FR" sz="1200" b="0" i="0" u="none" strike="noStrike" cap="none" normalizeH="0" baseline="0" dirty="0">
                 <a:ln>
                   <a:noFill/>
                 </a:ln>
@@ -4937,7 +4847,7 @@
               <a:t>2</a:t>
             </a:r>
             <a:r>
-              <a:rPr kumimoji="0" lang="fr-FR" altLang="fr-FR" sz="1200" b="0" i="0" u="none" strike="noStrike" cap="none" normalizeH="0" baseline="0" dirty="0" smtClean="0">
+              <a:rPr kumimoji="0" lang="fr-FR" altLang="fr-FR" sz="1200" b="0" i="0" u="none" strike="noStrike" cap="none" normalizeH="0" baseline="0" dirty="0">
                 <a:ln>
                   <a:noFill/>
                 </a:ln>
@@ -4950,7 +4860,7 @@
               <a:t>)/(</a:t>
             </a:r>
             <a:r>
-              <a:rPr kumimoji="0" lang="fr-FR" altLang="fr-FR" sz="1200" b="0" i="0" u="none" strike="noStrike" cap="none" normalizeH="0" baseline="0" dirty="0" smtClean="0">
+              <a:rPr kumimoji="0" lang="fr-FR" altLang="fr-FR" sz="1200" b="0" i="0" u="none" strike="noStrike" cap="none" normalizeH="0" baseline="0" dirty="0">
                 <a:ln>
                   <a:noFill/>
                 </a:ln>
@@ -4963,7 +4873,7 @@
               <a:t>2</a:t>
             </a:r>
             <a:r>
-              <a:rPr kumimoji="0" lang="fr-FR" altLang="fr-FR" sz="1200" b="0" i="0" u="none" strike="noStrike" cap="none" normalizeH="0" baseline="0" dirty="0" smtClean="0">
+              <a:rPr kumimoji="0" lang="fr-FR" altLang="fr-FR" sz="1200" b="0" i="0" u="none" strike="noStrike" cap="none" normalizeH="0" baseline="0" dirty="0">
                 <a:ln>
                   <a:noFill/>
                 </a:ln>
@@ -4976,7 +4886,7 @@
               <a:t>*</a:t>
             </a:r>
             <a:r>
-              <a:rPr kumimoji="0" lang="fr-FR" altLang="fr-FR" sz="1200" b="0" i="0" u="none" strike="noStrike" cap="none" normalizeH="0" baseline="0" dirty="0" err="1" smtClean="0">
+              <a:rPr kumimoji="0" lang="fr-FR" altLang="fr-FR" sz="1200" b="0" i="0" u="none" strike="noStrike" cap="none" normalizeH="0" baseline="0" dirty="0" err="1">
                 <a:ln>
                   <a:noFill/>
                 </a:ln>
@@ -4989,7 +4899,7 @@
               <a:t>np.power</a:t>
             </a:r>
             <a:r>
-              <a:rPr kumimoji="0" lang="fr-FR" altLang="fr-FR" sz="1200" b="0" i="0" u="none" strike="noStrike" cap="none" normalizeH="0" baseline="0" dirty="0" smtClean="0">
+              <a:rPr kumimoji="0" lang="fr-FR" altLang="fr-FR" sz="1200" b="0" i="0" u="none" strike="noStrike" cap="none" normalizeH="0" baseline="0" dirty="0">
                 <a:ln>
                   <a:noFill/>
                 </a:ln>
@@ -5002,7 +4912,7 @@
               <a:t>(sigma,</a:t>
             </a:r>
             <a:r>
-              <a:rPr kumimoji="0" lang="fr-FR" altLang="fr-FR" sz="1200" b="0" i="0" u="none" strike="noStrike" cap="none" normalizeH="0" baseline="0" dirty="0" smtClean="0">
+              <a:rPr kumimoji="0" lang="fr-FR" altLang="fr-FR" sz="1200" b="0" i="0" u="none" strike="noStrike" cap="none" normalizeH="0" baseline="0" dirty="0">
                 <a:ln>
                   <a:noFill/>
                 </a:ln>
@@ -5015,7 +4925,7 @@
               <a:t>2</a:t>
             </a:r>
             <a:r>
-              <a:rPr kumimoji="0" lang="fr-FR" altLang="fr-FR" sz="1200" b="0" i="0" u="none" strike="noStrike" cap="none" normalizeH="0" baseline="0" dirty="0" smtClean="0">
+              <a:rPr kumimoji="0" lang="fr-FR" altLang="fr-FR" sz="1200" b="0" i="0" u="none" strike="noStrike" cap="none" normalizeH="0" baseline="0" dirty="0">
                 <a:ln>
                   <a:noFill/>
                 </a:ln>
@@ -5028,7 +4938,7 @@
               <a:t>)))</a:t>
             </a:r>
             <a:br>
-              <a:rPr kumimoji="0" lang="fr-FR" altLang="fr-FR" sz="1200" b="0" i="0" u="none" strike="noStrike" cap="none" normalizeH="0" baseline="0" dirty="0" smtClean="0">
+              <a:rPr kumimoji="0" lang="fr-FR" altLang="fr-FR" sz="1200" b="0" i="0" u="none" strike="noStrike" cap="none" normalizeH="0" baseline="0" dirty="0">
                 <a:ln>
                   <a:noFill/>
                 </a:ln>
@@ -5039,21 +4949,8 @@
                 <a:latin typeface="Consolas" panose="020B0609020204030204" pitchFamily="49" charset="0"/>
               </a:rPr>
             </a:br>
-            <a:r>
-              <a:rPr kumimoji="0" lang="fr-FR" altLang="fr-FR" sz="1200" b="0" i="0" u="none" strike="noStrike" cap="none" normalizeH="0" baseline="0" dirty="0" smtClean="0">
-                <a:ln>
-                  <a:noFill/>
-                </a:ln>
-                <a:solidFill>
-                  <a:srgbClr val="000000"/>
-                </a:solidFill>
-                <a:effectLst/>
-                <a:latin typeface="Consolas" panose="020B0609020204030204" pitchFamily="49" charset="0"/>
-              </a:rPr>
-              <a:t/>
-            </a:r>
             <a:br>
-              <a:rPr kumimoji="0" lang="fr-FR" altLang="fr-FR" sz="1200" b="0" i="0" u="none" strike="noStrike" cap="none" normalizeH="0" baseline="0" dirty="0" smtClean="0">
+              <a:rPr kumimoji="0" lang="fr-FR" altLang="fr-FR" sz="1200" b="0" i="0" u="none" strike="noStrike" cap="none" normalizeH="0" baseline="0" dirty="0">
                 <a:ln>
                   <a:noFill/>
                 </a:ln>
@@ -5065,7 +4962,7 @@
               </a:rPr>
             </a:br>
             <a:r>
-              <a:rPr kumimoji="0" lang="fr-FR" altLang="fr-FR" sz="1200" b="0" i="0" u="none" strike="noStrike" cap="none" normalizeH="0" baseline="0" dirty="0" smtClean="0">
+              <a:rPr kumimoji="0" lang="fr-FR" altLang="fr-FR" sz="1200" b="0" i="0" u="none" strike="noStrike" cap="none" normalizeH="0" baseline="0" dirty="0">
                 <a:ln>
                   <a:noFill/>
                 </a:ln>
@@ -5078,7 +4975,7 @@
               <a:t>y = f(x)</a:t>
             </a:r>
             <a:br>
-              <a:rPr kumimoji="0" lang="fr-FR" altLang="fr-FR" sz="1200" b="0" i="0" u="none" strike="noStrike" cap="none" normalizeH="0" baseline="0" dirty="0" smtClean="0">
+              <a:rPr kumimoji="0" lang="fr-FR" altLang="fr-FR" sz="1200" b="0" i="0" u="none" strike="noStrike" cap="none" normalizeH="0" baseline="0" dirty="0">
                 <a:ln>
                   <a:noFill/>
                 </a:ln>
@@ -5090,7 +4987,7 @@
               </a:rPr>
             </a:br>
             <a:r>
-              <a:rPr kumimoji="0" lang="fr-FR" altLang="fr-FR" sz="1200" b="0" i="0" u="none" strike="noStrike" cap="none" normalizeH="0" baseline="0" dirty="0" err="1" smtClean="0">
+              <a:rPr kumimoji="0" lang="fr-FR" altLang="fr-FR" sz="1200" b="0" i="0" u="none" strike="noStrike" cap="none" normalizeH="0" baseline="0" dirty="0" err="1">
                 <a:ln>
                   <a:noFill/>
                 </a:ln>
@@ -5103,7 +5000,7 @@
               <a:t>plt.plot</a:t>
             </a:r>
             <a:r>
-              <a:rPr kumimoji="0" lang="fr-FR" altLang="fr-FR" sz="1200" b="0" i="0" u="none" strike="noStrike" cap="none" normalizeH="0" baseline="0" dirty="0" smtClean="0">
+              <a:rPr kumimoji="0" lang="fr-FR" altLang="fr-FR" sz="1200" b="0" i="0" u="none" strike="noStrike" cap="none" normalizeH="0" baseline="0" dirty="0">
                 <a:ln>
                   <a:noFill/>
                 </a:ln>
@@ -5116,7 +5013,7 @@
               <a:t>(x, y)</a:t>
             </a:r>
             <a:br>
-              <a:rPr kumimoji="0" lang="fr-FR" altLang="fr-FR" sz="1200" b="0" i="0" u="none" strike="noStrike" cap="none" normalizeH="0" baseline="0" dirty="0" smtClean="0">
+              <a:rPr kumimoji="0" lang="fr-FR" altLang="fr-FR" sz="1200" b="0" i="0" u="none" strike="noStrike" cap="none" normalizeH="0" baseline="0" dirty="0">
                 <a:ln>
                   <a:noFill/>
                 </a:ln>
@@ -5128,7 +5025,7 @@
               </a:rPr>
             </a:br>
             <a:r>
-              <a:rPr kumimoji="0" lang="fr-FR" altLang="fr-FR" sz="1200" b="0" i="0" u="none" strike="noStrike" cap="none" normalizeH="0" baseline="0" dirty="0" err="1" smtClean="0">
+              <a:rPr kumimoji="0" lang="fr-FR" altLang="fr-FR" sz="1200" b="0" i="0" u="none" strike="noStrike" cap="none" normalizeH="0" baseline="0" dirty="0" err="1">
                 <a:ln>
                   <a:noFill/>
                 </a:ln>
@@ -5141,7 +5038,7 @@
               <a:t>plt.show</a:t>
             </a:r>
             <a:r>
-              <a:rPr kumimoji="0" lang="fr-FR" altLang="fr-FR" sz="1200" b="0" i="0" u="none" strike="noStrike" cap="none" normalizeH="0" baseline="0" dirty="0" smtClean="0">
+              <a:rPr kumimoji="0" lang="fr-FR" altLang="fr-FR" sz="1200" b="0" i="0" u="none" strike="noStrike" cap="none" normalizeH="0" baseline="0" dirty="0">
                 <a:ln>
                   <a:noFill/>
                 </a:ln>
@@ -5153,7 +5050,7 @@
               </a:rPr>
               <a:t>()</a:t>
             </a:r>
-            <a:endParaRPr kumimoji="0" lang="fr-FR" altLang="fr-FR" sz="2800" b="0" i="0" u="none" strike="noStrike" cap="none" normalizeH="0" baseline="0" dirty="0" smtClean="0">
+            <a:endParaRPr kumimoji="0" lang="fr-FR" altLang="fr-FR" sz="2800" b="0" i="0" u="none" strike="noStrike" cap="none" normalizeH="0" baseline="0" dirty="0">
               <a:ln>
                 <a:noFill/>
               </a:ln>
@@ -5176,13 +5073,6 @@
   <p:clrMapOvr>
     <a:masterClrMapping/>
   </p:clrMapOvr>
-  <p:timing>
-    <p:tnLst>
-      <p:par>
-        <p:cTn id="1" dur="indefinite" restart="never" nodeType="tmRoot"/>
-      </p:par>
-    </p:tnLst>
-  </p:timing>
 </p:sld>
 </file>
 
@@ -5219,10 +5109,9 @@
           <a:lstStyle/>
           <a:p>
             <a:r>
-              <a:rPr lang="fr-FR" dirty="0" smtClean="0"/>
+              <a:rPr lang="fr-FR" dirty="0"/>
               <a:t>Loi normale</a:t>
             </a:r>
-            <a:endParaRPr lang="fr-FR" dirty="0"/>
           </a:p>
         </p:txBody>
       </p:sp>
@@ -5242,26 +5131,26 @@
           <a:lstStyle/>
           <a:p>
             <a:r>
-              <a:rPr lang="fr-FR" dirty="0" smtClean="0"/>
+              <a:rPr lang="fr-FR" dirty="0"/>
               <a:t>Avec le calcul de la distribution des données il est possible de filtrer les données trop éloignée de la loi normale</a:t>
             </a:r>
           </a:p>
           <a:p>
             <a:pPr lvl="1"/>
             <a:r>
-              <a:rPr lang="fr-FR" dirty="0" smtClean="0"/>
+              <a:rPr lang="fr-FR" dirty="0"/>
               <a:t>Possibilité de filtrer les données &gt; 3 * Sigma</a:t>
             </a:r>
           </a:p>
           <a:p>
             <a:r>
-              <a:rPr lang="fr-FR" dirty="0" smtClean="0"/>
+              <a:rPr lang="fr-FR" dirty="0"/>
               <a:t>Possibilité de calculer la médiane, quartile, décile, centile</a:t>
             </a:r>
           </a:p>
           <a:p>
             <a:pPr lvl="1"/>
-            <a:endParaRPr lang="fr-FR" dirty="0" smtClean="0"/>
+            <a:endParaRPr lang="fr-FR" dirty="0"/>
           </a:p>
         </p:txBody>
       </p:sp>
@@ -5275,13 +5164,6 @@
   <p:clrMapOvr>
     <a:masterClrMapping/>
   </p:clrMapOvr>
-  <p:timing>
-    <p:tnLst>
-      <p:par>
-        <p:cTn id="1" dur="indefinite" restart="never" nodeType="tmRoot"/>
-      </p:par>
-    </p:tnLst>
-  </p:timing>
 </p:sld>
 </file>
 
@@ -5318,10 +5200,9 @@
           <a:lstStyle/>
           <a:p>
             <a:r>
-              <a:rPr lang="fr-FR" dirty="0" smtClean="0"/>
+              <a:rPr lang="fr-FR" dirty="0"/>
               <a:t>Stat</a:t>
             </a:r>
-            <a:endParaRPr lang="fr-FR" dirty="0"/>
           </a:p>
         </p:txBody>
       </p:sp>
@@ -5341,7 +5222,7 @@
           <a:lstStyle/>
           <a:p>
             <a:r>
-              <a:rPr lang="fr-FR" dirty="0" smtClean="0"/>
+              <a:rPr lang="fr-FR" dirty="0"/>
               <a:t>Outils pour les statistiques</a:t>
             </a:r>
           </a:p>
@@ -5349,53 +5230,53 @@
             <a:endParaRPr lang="fr-FR" dirty="0"/>
           </a:p>
           <a:p>
-            <a:endParaRPr lang="fr-FR" dirty="0" smtClean="0"/>
-          </a:p>
-          <a:p>
             <a:endParaRPr lang="fr-FR" dirty="0"/>
           </a:p>
           <a:p>
-            <a:endParaRPr lang="fr-FR" dirty="0" smtClean="0"/>
-          </a:p>
-          <a:p>
-            <a:r>
-              <a:rPr lang="fr-FR" dirty="0" smtClean="0"/>
+            <a:endParaRPr lang="fr-FR" dirty="0"/>
+          </a:p>
+          <a:p>
+            <a:endParaRPr lang="fr-FR" dirty="0"/>
+          </a:p>
+          <a:p>
+            <a:r>
+              <a:rPr lang="fr-FR" dirty="0"/>
               <a:t>Le 2</a:t>
             </a:r>
             <a:r>
-              <a:rPr lang="fr-FR" baseline="30000" dirty="0" smtClean="0"/>
+              <a:rPr lang="fr-FR" baseline="30000" dirty="0"/>
               <a:t>ème</a:t>
             </a:r>
             <a:r>
-              <a:rPr lang="fr-FR" dirty="0" smtClean="0"/>
+              <a:rPr lang="fr-FR" dirty="0"/>
               <a:t> paramètre est l’axe (axis)</a:t>
             </a:r>
           </a:p>
           <a:p>
             <a:pPr lvl="1"/>
             <a:r>
-              <a:rPr lang="fr-FR" dirty="0" smtClean="0"/>
+              <a:rPr lang="fr-FR" dirty="0"/>
               <a:t>None (défaut) calcul sur la matrice aplatie</a:t>
             </a:r>
           </a:p>
           <a:p>
             <a:pPr lvl="1"/>
             <a:r>
-              <a:rPr lang="fr-FR" dirty="0" smtClean="0"/>
+              <a:rPr lang="fr-FR" dirty="0"/>
               <a:t>0 : Calcul sur la dimension 0 (lignes)</a:t>
             </a:r>
           </a:p>
           <a:p>
             <a:pPr lvl="1"/>
             <a:r>
-              <a:rPr lang="fr-FR" dirty="0" smtClean="0"/>
+              <a:rPr lang="fr-FR" dirty="0"/>
               <a:t>1 : Calcul par colonne</a:t>
             </a:r>
           </a:p>
           <a:p>
             <a:pPr lvl="1"/>
             <a:r>
-              <a:rPr lang="fr-FR" dirty="0" smtClean="0"/>
+              <a:rPr lang="fr-FR" dirty="0"/>
               <a:t>N : Calcul sur la dimension n, notion de réduction</a:t>
             </a:r>
           </a:p>
@@ -5438,13 +5319,6 @@
   <p:clrMapOvr>
     <a:masterClrMapping/>
   </p:clrMapOvr>
-  <p:timing>
-    <p:tnLst>
-      <p:par>
-        <p:cTn id="1" dur="indefinite" restart="never" nodeType="tmRoot"/>
-      </p:par>
-    </p:tnLst>
-  </p:timing>
 </p:sld>
 </file>
 
@@ -5481,10 +5355,9 @@
           <a:lstStyle/>
           <a:p>
             <a:r>
-              <a:rPr lang="fr-FR" dirty="0" smtClean="0"/>
+              <a:rPr lang="fr-FR" dirty="0"/>
               <a:t>Théorème centrale limite</a:t>
             </a:r>
-            <a:endParaRPr lang="fr-FR" dirty="0"/>
           </a:p>
         </p:txBody>
       </p:sp>
@@ -5504,34 +5377,34 @@
           <a:lstStyle/>
           <a:p>
             <a:r>
-              <a:rPr lang="fr-FR" dirty="0" smtClean="0"/>
+              <a:rPr lang="fr-FR" dirty="0"/>
               <a:t>Soit une matrice aléatoires avec des valeurs [-n, n]</a:t>
             </a:r>
           </a:p>
           <a:p>
             <a:pPr lvl="1"/>
             <a:r>
-              <a:rPr lang="fr-FR" dirty="0" smtClean="0"/>
+              <a:rPr lang="fr-FR" dirty="0"/>
               <a:t>La moyenne et la somme est 0</a:t>
             </a:r>
           </a:p>
           <a:p>
             <a:pPr lvl="1"/>
             <a:r>
-              <a:rPr lang="fr-FR" dirty="0" smtClean="0"/>
+              <a:rPr lang="fr-FR" dirty="0"/>
               <a:t>La distribution des sommes des lignes est gaussienne centrée sur 0</a:t>
             </a:r>
           </a:p>
           <a:p>
             <a:pPr lvl="1"/>
             <a:r>
-              <a:rPr lang="fr-FR" dirty="0" smtClean="0"/>
+              <a:rPr lang="fr-FR" dirty="0"/>
               <a:t>Médiane = moyenne</a:t>
             </a:r>
           </a:p>
           <a:p>
             <a:pPr lvl="1"/>
-            <a:endParaRPr lang="fr-FR" dirty="0" smtClean="0"/>
+            <a:endParaRPr lang="fr-FR" dirty="0"/>
           </a:p>
           <a:p>
             <a:pPr lvl="1"/>
@@ -5549,13 +5422,6 @@
   <p:clrMapOvr>
     <a:masterClrMapping/>
   </p:clrMapOvr>
-  <p:timing>
-    <p:tnLst>
-      <p:par>
-        <p:cTn id="1" dur="indefinite" restart="never" nodeType="tmRoot"/>
-      </p:par>
-    </p:tnLst>
-  </p:timing>
 </p:sld>
 </file>
 
@@ -5592,10 +5458,9 @@
           <a:lstStyle/>
           <a:p>
             <a:r>
-              <a:rPr lang="fr-FR" dirty="0" smtClean="0"/>
+              <a:rPr lang="fr-FR" dirty="0"/>
               <a:t>Cas non gaussien</a:t>
             </a:r>
-            <a:endParaRPr lang="fr-FR" dirty="0"/>
           </a:p>
         </p:txBody>
       </p:sp>
@@ -5615,53 +5480,53 @@
           <a:lstStyle/>
           <a:p>
             <a:r>
-              <a:rPr lang="fr-FR" dirty="0" smtClean="0"/>
+              <a:rPr lang="fr-FR" dirty="0"/>
               <a:t>Les distribution des salaire en France ne suit pas une gaussienne</a:t>
             </a:r>
           </a:p>
           <a:p>
             <a:pPr lvl="1"/>
             <a:r>
-              <a:rPr lang="fr-FR" dirty="0" smtClean="0"/>
+              <a:rPr lang="fr-FR" dirty="0"/>
               <a:t>C’est une gaussienne asymétrique</a:t>
             </a:r>
           </a:p>
           <a:p>
             <a:r>
-              <a:rPr lang="fr-FR" dirty="0" smtClean="0"/>
+              <a:rPr lang="fr-FR" dirty="0"/>
               <a:t>La moyenne et l’écart type n’ont pas de sens</a:t>
             </a:r>
           </a:p>
           <a:p>
             <a:r>
-              <a:rPr lang="fr-FR" dirty="0" smtClean="0"/>
+              <a:rPr lang="fr-FR" dirty="0"/>
               <a:t>Il faut utilise la médiane et les *iles</a:t>
             </a:r>
           </a:p>
           <a:p>
             <a:r>
-              <a:rPr lang="fr-FR" dirty="0" smtClean="0"/>
+              <a:rPr lang="fr-FR" dirty="0"/>
               <a:t>Exemple</a:t>
             </a:r>
           </a:p>
           <a:p>
             <a:pPr lvl="1"/>
             <a:r>
-              <a:rPr lang="fr-FR" dirty="0" smtClean="0"/>
+              <a:rPr lang="fr-FR" dirty="0"/>
               <a:t>Salaire équivalent temps plein net</a:t>
             </a:r>
           </a:p>
           <a:p>
             <a:pPr lvl="1"/>
             <a:r>
-              <a:rPr lang="fr-FR" dirty="0" smtClean="0"/>
+              <a:rPr lang="fr-FR" dirty="0"/>
               <a:t>Salaire moyen : 2250 €</a:t>
             </a:r>
           </a:p>
           <a:p>
             <a:pPr lvl="1"/>
             <a:r>
-              <a:rPr lang="fr-FR" dirty="0" smtClean="0"/>
+              <a:rPr lang="fr-FR" dirty="0"/>
               <a:t>Salaire médian : 1797 €</a:t>
             </a:r>
           </a:p>
@@ -5722,13 +5587,6 @@
   <p:clrMapOvr>
     <a:masterClrMapping/>
   </p:clrMapOvr>
-  <p:timing>
-    <p:tnLst>
-      <p:par>
-        <p:cTn id="1" dur="indefinite" restart="never" nodeType="tmRoot"/>
-      </p:par>
-    </p:tnLst>
-  </p:timing>
 </p:sld>
 </file>
 
